--- a/EinfIntensivDokSys/Intensivdokumentationssystem.pptx
+++ b/EinfIntensivDokSys/Intensivdokumentationssystem.pptx
@@ -5,14 +5,23 @@
     <p:sldMasterId id="2147483685" r:id="rId1"/>
   </p:sldMasterIdLst>
   <p:notesMasterIdLst>
-    <p:notesMasterId r:id="rId7"/>
+    <p:notesMasterId r:id="rId16"/>
   </p:notesMasterIdLst>
   <p:sldIdLst>
     <p:sldId id="279" r:id="rId2"/>
     <p:sldId id="280" r:id="rId3"/>
     <p:sldId id="303" r:id="rId4"/>
     <p:sldId id="302" r:id="rId5"/>
-    <p:sldId id="301" r:id="rId6"/>
+    <p:sldId id="304" r:id="rId6"/>
+    <p:sldId id="305" r:id="rId7"/>
+    <p:sldId id="306" r:id="rId8"/>
+    <p:sldId id="307" r:id="rId9"/>
+    <p:sldId id="308" r:id="rId10"/>
+    <p:sldId id="309" r:id="rId11"/>
+    <p:sldId id="310" r:id="rId12"/>
+    <p:sldId id="311" r:id="rId13"/>
+    <p:sldId id="312" r:id="rId14"/>
+    <p:sldId id="301" r:id="rId15"/>
   </p:sldIdLst>
   <p:sldSz cx="12192000" cy="6858000"/>
   <p:notesSz cx="6858000" cy="9144000"/>
@@ -599,6 +608,1242 @@
     <p:extLst>
       <p:ext uri="{BB962C8B-B14F-4D97-AF65-F5344CB8AC3E}">
         <p14:creationId xmlns:p14="http://schemas.microsoft.com/office/powerpoint/2010/main" val="1923721284"/>
+      </p:ext>
+    </p:extLst>
+  </p:cSld>
+  <p:clrMapOvr>
+    <a:masterClrMapping/>
+  </p:clrMapOvr>
+</p:notes>
+</file>
+
+<file path=ppt/notesSlides/notesSlide2.xml><?xml version="1.0" encoding="utf-8"?>
+<p:notes xmlns:a="http://schemas.openxmlformats.org/drawingml/2006/main" xmlns:r="http://schemas.openxmlformats.org/officeDocument/2006/relationships" xmlns:p="http://schemas.openxmlformats.org/presentationml/2006/main">
+  <p:cSld>
+    <p:spTree>
+      <p:nvGrpSpPr>
+        <p:cNvPr id="1" name=""/>
+        <p:cNvGrpSpPr/>
+        <p:nvPr/>
+      </p:nvGrpSpPr>
+      <p:grpSpPr>
+        <a:xfrm>
+          <a:off x="0" y="0"/>
+          <a:ext cx="0" cy="0"/>
+          <a:chOff x="0" y="0"/>
+          <a:chExt cx="0" cy="0"/>
+        </a:xfrm>
+      </p:grpSpPr>
+      <p:sp>
+        <p:nvSpPr>
+          <p:cNvPr id="2" name="Folienbildplatzhalter 1"/>
+          <p:cNvSpPr>
+            <a:spLocks noGrp="1" noRot="1" noChangeAspect="1"/>
+          </p:cNvSpPr>
+          <p:nvPr>
+            <p:ph type="sldImg"/>
+          </p:nvPr>
+        </p:nvSpPr>
+        <p:spPr/>
+      </p:sp>
+      <p:sp>
+        <p:nvSpPr>
+          <p:cNvPr id="3" name="Notizenplatzhalter 2"/>
+          <p:cNvSpPr>
+            <a:spLocks noGrp="1"/>
+          </p:cNvSpPr>
+          <p:nvPr>
+            <p:ph type="body" idx="1"/>
+          </p:nvPr>
+        </p:nvSpPr>
+        <p:spPr/>
+        <p:txBody>
+          <a:bodyPr/>
+          <a:lstStyle/>
+          <a:p>
+            <a:pPr lvl="1"/>
+            <a:r>
+              <a:rPr lang="de-DE" dirty="0" smtClean="0"/>
+              <a:t>Dokumentationsaufgaben unterstützen</a:t>
+            </a:r>
+            <a:endParaRPr lang="de-DE" sz="2000" dirty="0" smtClean="0"/>
+          </a:p>
+          <a:p>
+            <a:pPr lvl="2"/>
+            <a:r>
+              <a:rPr lang="de-DE" dirty="0" smtClean="0"/>
+              <a:t>Z.B. Vermeidung der Mehrfacherfassung von Daten</a:t>
+            </a:r>
+            <a:endParaRPr lang="de-DE" sz="2000" dirty="0" smtClean="0"/>
+          </a:p>
+          <a:p>
+            <a:endParaRPr lang="de-DE" dirty="0"/>
+          </a:p>
+        </p:txBody>
+      </p:sp>
+      <p:sp>
+        <p:nvSpPr>
+          <p:cNvPr id="4" name="Foliennummernplatzhalter 3"/>
+          <p:cNvSpPr>
+            <a:spLocks noGrp="1"/>
+          </p:cNvSpPr>
+          <p:nvPr>
+            <p:ph type="sldNum" sz="quarter" idx="10"/>
+          </p:nvPr>
+        </p:nvSpPr>
+        <p:spPr/>
+        <p:txBody>
+          <a:bodyPr/>
+          <a:lstStyle/>
+          <a:p>
+            <a:fld id="{291A2AE1-9A89-46FB-B262-609F9F6D1590}" type="slidenum">
+              <a:rPr lang="de-DE" smtClean="0"/>
+              <a:t>6</a:t>
+            </a:fld>
+            <a:endParaRPr lang="de-DE"/>
+          </a:p>
+        </p:txBody>
+      </p:sp>
+    </p:spTree>
+    <p:extLst>
+      <p:ext uri="{BB962C8B-B14F-4D97-AF65-F5344CB8AC3E}">
+        <p14:creationId xmlns:p14="http://schemas.microsoft.com/office/powerpoint/2010/main" val="713496977"/>
+      </p:ext>
+    </p:extLst>
+  </p:cSld>
+  <p:clrMapOvr>
+    <a:masterClrMapping/>
+  </p:clrMapOvr>
+</p:notes>
+</file>
+
+<file path=ppt/notesSlides/notesSlide3.xml><?xml version="1.0" encoding="utf-8"?>
+<p:notes xmlns:a="http://schemas.openxmlformats.org/drawingml/2006/main" xmlns:r="http://schemas.openxmlformats.org/officeDocument/2006/relationships" xmlns:p="http://schemas.openxmlformats.org/presentationml/2006/main">
+  <p:cSld>
+    <p:spTree>
+      <p:nvGrpSpPr>
+        <p:cNvPr id="1" name=""/>
+        <p:cNvGrpSpPr/>
+        <p:nvPr/>
+      </p:nvGrpSpPr>
+      <p:grpSpPr>
+        <a:xfrm>
+          <a:off x="0" y="0"/>
+          <a:ext cx="0" cy="0"/>
+          <a:chOff x="0" y="0"/>
+          <a:chExt cx="0" cy="0"/>
+        </a:xfrm>
+      </p:grpSpPr>
+      <p:sp>
+        <p:nvSpPr>
+          <p:cNvPr id="2" name="Folienbildplatzhalter 1"/>
+          <p:cNvSpPr>
+            <a:spLocks noGrp="1" noRot="1" noChangeAspect="1"/>
+          </p:cNvSpPr>
+          <p:nvPr>
+            <p:ph type="sldImg"/>
+          </p:nvPr>
+        </p:nvSpPr>
+        <p:spPr/>
+      </p:sp>
+      <p:sp>
+        <p:nvSpPr>
+          <p:cNvPr id="3" name="Notizenplatzhalter 2"/>
+          <p:cNvSpPr>
+            <a:spLocks noGrp="1"/>
+          </p:cNvSpPr>
+          <p:nvPr>
+            <p:ph type="body" idx="1"/>
+          </p:nvPr>
+        </p:nvSpPr>
+        <p:spPr/>
+        <p:txBody>
+          <a:bodyPr/>
+          <a:lstStyle/>
+          <a:p>
+            <a:r>
+              <a:rPr lang="de-DE" dirty="0" smtClean="0"/>
+              <a:t>Gleich</a:t>
+            </a:r>
+            <a:r>
+              <a:rPr lang="de-DE" baseline="0" dirty="0" smtClean="0"/>
+              <a:t> größer:</a:t>
+            </a:r>
+            <a:endParaRPr lang="de-DE" dirty="0"/>
+          </a:p>
+        </p:txBody>
+      </p:sp>
+      <p:sp>
+        <p:nvSpPr>
+          <p:cNvPr id="4" name="Foliennummernplatzhalter 3"/>
+          <p:cNvSpPr>
+            <a:spLocks noGrp="1"/>
+          </p:cNvSpPr>
+          <p:nvPr>
+            <p:ph type="sldNum" sz="quarter" idx="10"/>
+          </p:nvPr>
+        </p:nvSpPr>
+        <p:spPr/>
+        <p:txBody>
+          <a:bodyPr/>
+          <a:lstStyle/>
+          <a:p>
+            <a:fld id="{291A2AE1-9A89-46FB-B262-609F9F6D1590}" type="slidenum">
+              <a:rPr lang="de-DE" smtClean="0"/>
+              <a:t>8</a:t>
+            </a:fld>
+            <a:endParaRPr lang="de-DE"/>
+          </a:p>
+        </p:txBody>
+      </p:sp>
+    </p:spTree>
+    <p:extLst>
+      <p:ext uri="{BB962C8B-B14F-4D97-AF65-F5344CB8AC3E}">
+        <p14:creationId xmlns:p14="http://schemas.microsoft.com/office/powerpoint/2010/main" val="1112125144"/>
+      </p:ext>
+    </p:extLst>
+  </p:cSld>
+  <p:clrMapOvr>
+    <a:masterClrMapping/>
+  </p:clrMapOvr>
+</p:notes>
+</file>
+
+<file path=ppt/notesSlides/notesSlide4.xml><?xml version="1.0" encoding="utf-8"?>
+<p:notes xmlns:a="http://schemas.openxmlformats.org/drawingml/2006/main" xmlns:r="http://schemas.openxmlformats.org/officeDocument/2006/relationships" xmlns:p="http://schemas.openxmlformats.org/presentationml/2006/main">
+  <p:cSld>
+    <p:spTree>
+      <p:nvGrpSpPr>
+        <p:cNvPr id="1" name=""/>
+        <p:cNvGrpSpPr/>
+        <p:nvPr/>
+      </p:nvGrpSpPr>
+      <p:grpSpPr>
+        <a:xfrm>
+          <a:off x="0" y="0"/>
+          <a:ext cx="0" cy="0"/>
+          <a:chOff x="0" y="0"/>
+          <a:chExt cx="0" cy="0"/>
+        </a:xfrm>
+      </p:grpSpPr>
+      <p:sp>
+        <p:nvSpPr>
+          <p:cNvPr id="2" name="Folienbildplatzhalter 1"/>
+          <p:cNvSpPr>
+            <a:spLocks noGrp="1" noRot="1" noChangeAspect="1"/>
+          </p:cNvSpPr>
+          <p:nvPr>
+            <p:ph type="sldImg"/>
+          </p:nvPr>
+        </p:nvSpPr>
+        <p:spPr/>
+      </p:sp>
+      <p:sp>
+        <p:nvSpPr>
+          <p:cNvPr id="3" name="Notizenplatzhalter 2"/>
+          <p:cNvSpPr>
+            <a:spLocks noGrp="1"/>
+          </p:cNvSpPr>
+          <p:nvPr>
+            <p:ph type="body" idx="1"/>
+          </p:nvPr>
+        </p:nvSpPr>
+        <p:spPr/>
+        <p:txBody>
+          <a:bodyPr/>
+          <a:lstStyle/>
+          <a:p>
+            <a:pPr lvl="1"/>
+            <a:r>
+              <a:rPr lang="de-DE" sz="1200" kern="1200" dirty="0" smtClean="0">
+                <a:solidFill>
+                  <a:schemeClr val="tx1"/>
+                </a:solidFill>
+                <a:effectLst/>
+                <a:latin typeface="+mn-lt"/>
+                <a:ea typeface="+mn-ea"/>
+                <a:cs typeface="+mn-cs"/>
+              </a:rPr>
+              <a:t>Systemanalyse</a:t>
+            </a:r>
+            <a:endParaRPr lang="de-DE" sz="1050" kern="1200" dirty="0" smtClean="0">
+              <a:solidFill>
+                <a:schemeClr val="tx1"/>
+              </a:solidFill>
+              <a:effectLst/>
+              <a:latin typeface="+mn-lt"/>
+              <a:ea typeface="+mn-ea"/>
+              <a:cs typeface="+mn-cs"/>
+            </a:endParaRPr>
+          </a:p>
+          <a:p>
+            <a:pPr lvl="1"/>
+            <a:r>
+              <a:rPr lang="de-DE" sz="1200" kern="1200" dirty="0" smtClean="0">
+                <a:solidFill>
+                  <a:schemeClr val="tx1"/>
+                </a:solidFill>
+                <a:effectLst/>
+                <a:latin typeface="+mn-lt"/>
+                <a:ea typeface="+mn-ea"/>
+                <a:cs typeface="+mn-cs"/>
+              </a:rPr>
+              <a:t>Systembewertung</a:t>
+            </a:r>
+            <a:endParaRPr lang="de-DE" sz="1050" kern="1200" dirty="0" smtClean="0">
+              <a:solidFill>
+                <a:schemeClr val="tx1"/>
+              </a:solidFill>
+              <a:effectLst/>
+              <a:latin typeface="+mn-lt"/>
+              <a:ea typeface="+mn-ea"/>
+              <a:cs typeface="+mn-cs"/>
+            </a:endParaRPr>
+          </a:p>
+          <a:p>
+            <a:pPr lvl="3"/>
+            <a:r>
+              <a:rPr lang="de-DE" sz="1200" kern="1200" dirty="0" smtClean="0">
+                <a:solidFill>
+                  <a:schemeClr val="tx1"/>
+                </a:solidFill>
+                <a:effectLst/>
+                <a:latin typeface="+mn-lt"/>
+                <a:ea typeface="+mn-ea"/>
+                <a:cs typeface="+mn-cs"/>
+              </a:rPr>
+              <a:t>Ermittlung des Ist-Standes</a:t>
+            </a:r>
+            <a:endParaRPr lang="de-DE" sz="1050" kern="1200" dirty="0" smtClean="0">
+              <a:solidFill>
+                <a:schemeClr val="tx1"/>
+              </a:solidFill>
+              <a:effectLst/>
+              <a:latin typeface="+mn-lt"/>
+              <a:ea typeface="+mn-ea"/>
+              <a:cs typeface="+mn-cs"/>
+            </a:endParaRPr>
+          </a:p>
+          <a:p>
+            <a:pPr lvl="3"/>
+            <a:r>
+              <a:rPr lang="de-DE" sz="1200" kern="1200" dirty="0" smtClean="0">
+                <a:solidFill>
+                  <a:schemeClr val="tx1"/>
+                </a:solidFill>
+                <a:effectLst/>
+                <a:latin typeface="+mn-lt"/>
+                <a:ea typeface="+mn-ea"/>
+                <a:cs typeface="+mn-cs"/>
+              </a:rPr>
+              <a:t>Erkennen von Schwachstellen</a:t>
+            </a:r>
+            <a:endParaRPr lang="de-DE" sz="1050" kern="1200" dirty="0" smtClean="0">
+              <a:solidFill>
+                <a:schemeClr val="tx1"/>
+              </a:solidFill>
+              <a:effectLst/>
+              <a:latin typeface="+mn-lt"/>
+              <a:ea typeface="+mn-ea"/>
+              <a:cs typeface="+mn-cs"/>
+            </a:endParaRPr>
+          </a:p>
+          <a:p>
+            <a:pPr lvl="1"/>
+            <a:r>
+              <a:rPr lang="de-DE" sz="1200" kern="1200" dirty="0" smtClean="0">
+                <a:solidFill>
+                  <a:schemeClr val="tx1"/>
+                </a:solidFill>
+                <a:effectLst/>
+                <a:latin typeface="+mn-lt"/>
+                <a:ea typeface="+mn-ea"/>
+                <a:cs typeface="+mn-cs"/>
+              </a:rPr>
+              <a:t>Systemspezifikation</a:t>
+            </a:r>
+            <a:endParaRPr lang="de-DE" sz="1050" kern="1200" dirty="0" smtClean="0">
+              <a:solidFill>
+                <a:schemeClr val="tx1"/>
+              </a:solidFill>
+              <a:effectLst/>
+              <a:latin typeface="+mn-lt"/>
+              <a:ea typeface="+mn-ea"/>
+              <a:cs typeface="+mn-cs"/>
+            </a:endParaRPr>
+          </a:p>
+          <a:p>
+            <a:pPr lvl="3"/>
+            <a:r>
+              <a:rPr lang="de-DE" sz="1200" kern="1200" dirty="0" smtClean="0">
+                <a:solidFill>
+                  <a:schemeClr val="tx1"/>
+                </a:solidFill>
+                <a:effectLst/>
+                <a:latin typeface="+mn-lt"/>
+                <a:ea typeface="+mn-ea"/>
+                <a:cs typeface="+mn-cs"/>
+              </a:rPr>
+              <a:t>Durch Identifikation der Anforderungen</a:t>
+            </a:r>
+            <a:endParaRPr lang="de-DE" sz="1050" kern="1200" dirty="0" smtClean="0">
+              <a:solidFill>
+                <a:schemeClr val="tx1"/>
+              </a:solidFill>
+              <a:effectLst/>
+              <a:latin typeface="+mn-lt"/>
+              <a:ea typeface="+mn-ea"/>
+              <a:cs typeface="+mn-cs"/>
+            </a:endParaRPr>
+          </a:p>
+          <a:p>
+            <a:endParaRPr lang="de-DE" dirty="0"/>
+          </a:p>
+        </p:txBody>
+      </p:sp>
+      <p:sp>
+        <p:nvSpPr>
+          <p:cNvPr id="4" name="Foliennummernplatzhalter 3"/>
+          <p:cNvSpPr>
+            <a:spLocks noGrp="1"/>
+          </p:cNvSpPr>
+          <p:nvPr>
+            <p:ph type="sldNum" sz="quarter" idx="10"/>
+          </p:nvPr>
+        </p:nvSpPr>
+        <p:spPr/>
+        <p:txBody>
+          <a:bodyPr/>
+          <a:lstStyle/>
+          <a:p>
+            <a:fld id="{291A2AE1-9A89-46FB-B262-609F9F6D1590}" type="slidenum">
+              <a:rPr lang="de-DE" smtClean="0"/>
+              <a:t>9</a:t>
+            </a:fld>
+            <a:endParaRPr lang="de-DE"/>
+          </a:p>
+        </p:txBody>
+      </p:sp>
+    </p:spTree>
+    <p:extLst>
+      <p:ext uri="{BB962C8B-B14F-4D97-AF65-F5344CB8AC3E}">
+        <p14:creationId xmlns:p14="http://schemas.microsoft.com/office/powerpoint/2010/main" val="1936304696"/>
+      </p:ext>
+    </p:extLst>
+  </p:cSld>
+  <p:clrMapOvr>
+    <a:masterClrMapping/>
+  </p:clrMapOvr>
+</p:notes>
+</file>
+
+<file path=ppt/notesSlides/notesSlide5.xml><?xml version="1.0" encoding="utf-8"?>
+<p:notes xmlns:a="http://schemas.openxmlformats.org/drawingml/2006/main" xmlns:r="http://schemas.openxmlformats.org/officeDocument/2006/relationships" xmlns:p="http://schemas.openxmlformats.org/presentationml/2006/main">
+  <p:cSld>
+    <p:spTree>
+      <p:nvGrpSpPr>
+        <p:cNvPr id="1" name=""/>
+        <p:cNvGrpSpPr/>
+        <p:nvPr/>
+      </p:nvGrpSpPr>
+      <p:grpSpPr>
+        <a:xfrm>
+          <a:off x="0" y="0"/>
+          <a:ext cx="0" cy="0"/>
+          <a:chOff x="0" y="0"/>
+          <a:chExt cx="0" cy="0"/>
+        </a:xfrm>
+      </p:grpSpPr>
+      <p:sp>
+        <p:nvSpPr>
+          <p:cNvPr id="2" name="Folienbildplatzhalter 1"/>
+          <p:cNvSpPr>
+            <a:spLocks noGrp="1" noRot="1" noChangeAspect="1"/>
+          </p:cNvSpPr>
+          <p:nvPr>
+            <p:ph type="sldImg"/>
+          </p:nvPr>
+        </p:nvSpPr>
+        <p:spPr/>
+      </p:sp>
+      <p:sp>
+        <p:nvSpPr>
+          <p:cNvPr id="3" name="Notizenplatzhalter 2"/>
+          <p:cNvSpPr>
+            <a:spLocks noGrp="1"/>
+          </p:cNvSpPr>
+          <p:nvPr>
+            <p:ph type="body" idx="1"/>
+          </p:nvPr>
+        </p:nvSpPr>
+        <p:spPr/>
+        <p:txBody>
+          <a:bodyPr/>
+          <a:lstStyle/>
+          <a:p>
+            <a:pPr lvl="1"/>
+            <a:r>
+              <a:rPr lang="de-DE" sz="1200" kern="1200" dirty="0" smtClean="0">
+                <a:solidFill>
+                  <a:schemeClr val="tx1"/>
+                </a:solidFill>
+                <a:effectLst/>
+                <a:latin typeface="+mn-lt"/>
+                <a:ea typeface="+mn-ea"/>
+                <a:cs typeface="+mn-cs"/>
+              </a:rPr>
+              <a:t>Systemauswahl (Ergebnis: Entscheidung für ein Softwareprodukt und Kaufvertrag)</a:t>
+            </a:r>
+            <a:endParaRPr lang="de-DE" sz="1050" kern="1200" dirty="0" smtClean="0">
+              <a:solidFill>
+                <a:schemeClr val="tx1"/>
+              </a:solidFill>
+              <a:effectLst/>
+              <a:latin typeface="+mn-lt"/>
+              <a:ea typeface="+mn-ea"/>
+              <a:cs typeface="+mn-cs"/>
+            </a:endParaRPr>
+          </a:p>
+          <a:p>
+            <a:pPr lvl="1"/>
+            <a:r>
+              <a:rPr lang="de-DE" sz="1200" kern="1200" dirty="0" smtClean="0">
+                <a:solidFill>
+                  <a:schemeClr val="tx1"/>
+                </a:solidFill>
+                <a:effectLst/>
+                <a:latin typeface="+mn-lt"/>
+                <a:ea typeface="+mn-ea"/>
+                <a:cs typeface="+mn-cs"/>
+              </a:rPr>
+              <a:t>Systemeinführung (Ergebnis: lauffähiges Intensivdokumentationssystem)</a:t>
+            </a:r>
+            <a:endParaRPr lang="de-DE" sz="1050" kern="1200" dirty="0" smtClean="0">
+              <a:solidFill>
+                <a:schemeClr val="tx1"/>
+              </a:solidFill>
+              <a:effectLst/>
+              <a:latin typeface="+mn-lt"/>
+              <a:ea typeface="+mn-ea"/>
+              <a:cs typeface="+mn-cs"/>
+            </a:endParaRPr>
+          </a:p>
+          <a:p>
+            <a:pPr lvl="1"/>
+            <a:r>
+              <a:rPr lang="de-DE" sz="1200" kern="1200" dirty="0" smtClean="0">
+                <a:solidFill>
+                  <a:schemeClr val="tx1"/>
+                </a:solidFill>
+                <a:effectLst/>
+                <a:latin typeface="+mn-lt"/>
+                <a:ea typeface="+mn-ea"/>
+                <a:cs typeface="+mn-cs"/>
+              </a:rPr>
+              <a:t>Abschließende Evaluation</a:t>
+            </a:r>
+            <a:endParaRPr lang="de-DE" sz="1050" kern="1200" dirty="0" smtClean="0">
+              <a:solidFill>
+                <a:schemeClr val="tx1"/>
+              </a:solidFill>
+              <a:effectLst/>
+              <a:latin typeface="+mn-lt"/>
+              <a:ea typeface="+mn-ea"/>
+              <a:cs typeface="+mn-cs"/>
+            </a:endParaRPr>
+          </a:p>
+          <a:p>
+            <a:endParaRPr lang="de-DE" dirty="0"/>
+          </a:p>
+        </p:txBody>
+      </p:sp>
+      <p:sp>
+        <p:nvSpPr>
+          <p:cNvPr id="4" name="Foliennummernplatzhalter 3"/>
+          <p:cNvSpPr>
+            <a:spLocks noGrp="1"/>
+          </p:cNvSpPr>
+          <p:nvPr>
+            <p:ph type="sldNum" sz="quarter" idx="10"/>
+          </p:nvPr>
+        </p:nvSpPr>
+        <p:spPr/>
+        <p:txBody>
+          <a:bodyPr/>
+          <a:lstStyle/>
+          <a:p>
+            <a:fld id="{291A2AE1-9A89-46FB-B262-609F9F6D1590}" type="slidenum">
+              <a:rPr lang="de-DE" smtClean="0"/>
+              <a:t>10</a:t>
+            </a:fld>
+            <a:endParaRPr lang="de-DE"/>
+          </a:p>
+        </p:txBody>
+      </p:sp>
+    </p:spTree>
+    <p:extLst>
+      <p:ext uri="{BB962C8B-B14F-4D97-AF65-F5344CB8AC3E}">
+        <p14:creationId xmlns:p14="http://schemas.microsoft.com/office/powerpoint/2010/main" val="4293350445"/>
+      </p:ext>
+    </p:extLst>
+  </p:cSld>
+  <p:clrMapOvr>
+    <a:masterClrMapping/>
+  </p:clrMapOvr>
+</p:notes>
+</file>
+
+<file path=ppt/notesSlides/notesSlide6.xml><?xml version="1.0" encoding="utf-8"?>
+<p:notes xmlns:a="http://schemas.openxmlformats.org/drawingml/2006/main" xmlns:r="http://schemas.openxmlformats.org/officeDocument/2006/relationships" xmlns:p="http://schemas.openxmlformats.org/presentationml/2006/main">
+  <p:cSld>
+    <p:spTree>
+      <p:nvGrpSpPr>
+        <p:cNvPr id="1" name=""/>
+        <p:cNvGrpSpPr/>
+        <p:nvPr/>
+      </p:nvGrpSpPr>
+      <p:grpSpPr>
+        <a:xfrm>
+          <a:off x="0" y="0"/>
+          <a:ext cx="0" cy="0"/>
+          <a:chOff x="0" y="0"/>
+          <a:chExt cx="0" cy="0"/>
+        </a:xfrm>
+      </p:grpSpPr>
+      <p:sp>
+        <p:nvSpPr>
+          <p:cNvPr id="2" name="Folienbildplatzhalter 1"/>
+          <p:cNvSpPr>
+            <a:spLocks noGrp="1" noRot="1" noChangeAspect="1"/>
+          </p:cNvSpPr>
+          <p:nvPr>
+            <p:ph type="sldImg"/>
+          </p:nvPr>
+        </p:nvSpPr>
+        <p:spPr/>
+      </p:sp>
+      <p:sp>
+        <p:nvSpPr>
+          <p:cNvPr id="3" name="Notizenplatzhalter 2"/>
+          <p:cNvSpPr>
+            <a:spLocks noGrp="1"/>
+          </p:cNvSpPr>
+          <p:nvPr>
+            <p:ph type="body" idx="1"/>
+          </p:nvPr>
+        </p:nvSpPr>
+        <p:spPr/>
+        <p:txBody>
+          <a:bodyPr/>
+          <a:lstStyle/>
+          <a:p>
+            <a:pPr lvl="1"/>
+            <a:r>
+              <a:rPr lang="de-DE" sz="1200" kern="1200" dirty="0" smtClean="0">
+                <a:solidFill>
+                  <a:schemeClr val="tx1"/>
+                </a:solidFill>
+                <a:effectLst/>
+                <a:latin typeface="+mn-lt"/>
+                <a:ea typeface="+mn-ea"/>
+                <a:cs typeface="+mn-cs"/>
+              </a:rPr>
+              <a:t>Personalkosten für</a:t>
+            </a:r>
+            <a:endParaRPr lang="de-DE" sz="1050" kern="1200" dirty="0" smtClean="0">
+              <a:solidFill>
+                <a:schemeClr val="tx1"/>
+              </a:solidFill>
+              <a:effectLst/>
+              <a:latin typeface="+mn-lt"/>
+              <a:ea typeface="+mn-ea"/>
+              <a:cs typeface="+mn-cs"/>
+            </a:endParaRPr>
+          </a:p>
+          <a:p>
+            <a:pPr lvl="2"/>
+            <a:r>
+              <a:rPr lang="de-DE" sz="1200" kern="1200" dirty="0" smtClean="0">
+                <a:solidFill>
+                  <a:schemeClr val="tx1"/>
+                </a:solidFill>
+                <a:effectLst/>
+                <a:latin typeface="+mn-lt"/>
+                <a:ea typeface="+mn-ea"/>
+                <a:cs typeface="+mn-cs"/>
+              </a:rPr>
+              <a:t>Prozessanalyse</a:t>
+            </a:r>
+            <a:endParaRPr lang="de-DE" sz="1050" kern="1200" dirty="0" smtClean="0">
+              <a:solidFill>
+                <a:schemeClr val="tx1"/>
+              </a:solidFill>
+              <a:effectLst/>
+              <a:latin typeface="+mn-lt"/>
+              <a:ea typeface="+mn-ea"/>
+              <a:cs typeface="+mn-cs"/>
+            </a:endParaRPr>
+          </a:p>
+          <a:p>
+            <a:pPr lvl="2"/>
+            <a:r>
+              <a:rPr lang="de-DE" sz="1200" kern="1200" dirty="0" smtClean="0">
+                <a:solidFill>
+                  <a:schemeClr val="tx1"/>
+                </a:solidFill>
+                <a:effectLst/>
+                <a:latin typeface="+mn-lt"/>
+                <a:ea typeface="+mn-ea"/>
+                <a:cs typeface="+mn-cs"/>
+              </a:rPr>
+              <a:t>Dokumentationsanalyse</a:t>
+            </a:r>
+            <a:endParaRPr lang="de-DE" sz="1050" kern="1200" dirty="0" smtClean="0">
+              <a:solidFill>
+                <a:schemeClr val="tx1"/>
+              </a:solidFill>
+              <a:effectLst/>
+              <a:latin typeface="+mn-lt"/>
+              <a:ea typeface="+mn-ea"/>
+              <a:cs typeface="+mn-cs"/>
+            </a:endParaRPr>
+          </a:p>
+          <a:p>
+            <a:pPr lvl="2"/>
+            <a:r>
+              <a:rPr lang="de-DE" sz="1200" kern="1200" dirty="0" smtClean="0">
+                <a:solidFill>
+                  <a:schemeClr val="tx1"/>
+                </a:solidFill>
+                <a:effectLst/>
+                <a:latin typeface="+mn-lt"/>
+                <a:ea typeface="+mn-ea"/>
+                <a:cs typeface="+mn-cs"/>
+              </a:rPr>
+              <a:t>Bewertung des Ist-Standes</a:t>
+            </a:r>
+            <a:endParaRPr lang="de-DE" sz="1050" kern="1200" dirty="0" smtClean="0">
+              <a:solidFill>
+                <a:schemeClr val="tx1"/>
+              </a:solidFill>
+              <a:effectLst/>
+              <a:latin typeface="+mn-lt"/>
+              <a:ea typeface="+mn-ea"/>
+              <a:cs typeface="+mn-cs"/>
+            </a:endParaRPr>
+          </a:p>
+          <a:p>
+            <a:pPr lvl="2"/>
+            <a:r>
+              <a:rPr lang="de-DE" sz="1200" kern="1200" dirty="0" smtClean="0">
+                <a:solidFill>
+                  <a:schemeClr val="tx1"/>
+                </a:solidFill>
+                <a:effectLst/>
+                <a:latin typeface="+mn-lt"/>
+                <a:ea typeface="+mn-ea"/>
+                <a:cs typeface="+mn-cs"/>
+              </a:rPr>
+              <a:t>Erstellung des Pflichtenheftes</a:t>
+            </a:r>
+            <a:endParaRPr lang="de-DE" sz="1050" kern="1200" dirty="0" smtClean="0">
+              <a:solidFill>
+                <a:schemeClr val="tx1"/>
+              </a:solidFill>
+              <a:effectLst/>
+              <a:latin typeface="+mn-lt"/>
+              <a:ea typeface="+mn-ea"/>
+              <a:cs typeface="+mn-cs"/>
+            </a:endParaRPr>
+          </a:p>
+          <a:p>
+            <a:pPr lvl="2"/>
+            <a:r>
+              <a:rPr lang="de-DE" sz="1200" kern="1200" dirty="0" smtClean="0">
+                <a:solidFill>
+                  <a:schemeClr val="tx1"/>
+                </a:solidFill>
+                <a:effectLst/>
+                <a:latin typeface="+mn-lt"/>
+                <a:ea typeface="+mn-ea"/>
+                <a:cs typeface="+mn-cs"/>
+              </a:rPr>
+              <a:t>Angebotsvergleich</a:t>
+            </a:r>
+            <a:endParaRPr lang="de-DE" sz="1050" kern="1200" dirty="0" smtClean="0">
+              <a:solidFill>
+                <a:schemeClr val="tx1"/>
+              </a:solidFill>
+              <a:effectLst/>
+              <a:latin typeface="+mn-lt"/>
+              <a:ea typeface="+mn-ea"/>
+              <a:cs typeface="+mn-cs"/>
+            </a:endParaRPr>
+          </a:p>
+          <a:p>
+            <a:pPr lvl="2"/>
+            <a:r>
+              <a:rPr lang="de-DE" sz="1200" kern="1200" dirty="0" smtClean="0">
+                <a:solidFill>
+                  <a:schemeClr val="tx1"/>
+                </a:solidFill>
+                <a:effectLst/>
+                <a:latin typeface="+mn-lt"/>
+                <a:ea typeface="+mn-ea"/>
+                <a:cs typeface="+mn-cs"/>
+              </a:rPr>
+              <a:t>Evaluation </a:t>
+            </a:r>
+            <a:endParaRPr lang="de-DE" sz="1050" kern="1200" dirty="0" smtClean="0">
+              <a:solidFill>
+                <a:schemeClr val="tx1"/>
+              </a:solidFill>
+              <a:effectLst/>
+              <a:latin typeface="+mn-lt"/>
+              <a:ea typeface="+mn-ea"/>
+              <a:cs typeface="+mn-cs"/>
+            </a:endParaRPr>
+          </a:p>
+          <a:p>
+            <a:pPr lvl="2"/>
+            <a:r>
+              <a:rPr lang="de-DE" sz="1200" kern="1200" dirty="0" smtClean="0">
+                <a:solidFill>
+                  <a:schemeClr val="tx1"/>
+                </a:solidFill>
+                <a:effectLst/>
+                <a:latin typeface="+mn-lt"/>
+                <a:ea typeface="+mn-ea"/>
+                <a:cs typeface="+mn-cs"/>
+              </a:rPr>
+              <a:t>Erstellen des Abschlussberichtes</a:t>
+            </a:r>
+            <a:endParaRPr lang="de-DE" sz="1050" kern="1200" dirty="0" smtClean="0">
+              <a:solidFill>
+                <a:schemeClr val="tx1"/>
+              </a:solidFill>
+              <a:effectLst/>
+              <a:latin typeface="+mn-lt"/>
+              <a:ea typeface="+mn-ea"/>
+              <a:cs typeface="+mn-cs"/>
+            </a:endParaRPr>
+          </a:p>
+          <a:p>
+            <a:pPr lvl="1"/>
+            <a:r>
+              <a:rPr lang="de-DE" sz="1200" kern="1200" dirty="0" smtClean="0">
+                <a:solidFill>
+                  <a:schemeClr val="tx1"/>
+                </a:solidFill>
+                <a:effectLst/>
+                <a:latin typeface="+mn-lt"/>
+                <a:ea typeface="+mn-ea"/>
+                <a:cs typeface="+mn-cs"/>
+              </a:rPr>
+              <a:t>Ausschreibungskosten</a:t>
+            </a:r>
+            <a:endParaRPr lang="de-DE" sz="1050" kern="1200" dirty="0" smtClean="0">
+              <a:solidFill>
+                <a:schemeClr val="tx1"/>
+              </a:solidFill>
+              <a:effectLst/>
+              <a:latin typeface="+mn-lt"/>
+              <a:ea typeface="+mn-ea"/>
+              <a:cs typeface="+mn-cs"/>
+            </a:endParaRPr>
+          </a:p>
+          <a:p>
+            <a:pPr lvl="1"/>
+            <a:r>
+              <a:rPr lang="de-DE" sz="1200" kern="1200" dirty="0" smtClean="0">
+                <a:solidFill>
+                  <a:schemeClr val="tx1"/>
+                </a:solidFill>
+                <a:effectLst/>
+                <a:latin typeface="+mn-lt"/>
+                <a:ea typeface="+mn-ea"/>
+                <a:cs typeface="+mn-cs"/>
+              </a:rPr>
+              <a:t>Kauf des Systems</a:t>
+            </a:r>
+            <a:endParaRPr lang="de-DE" sz="1050" kern="1200" dirty="0" smtClean="0">
+              <a:solidFill>
+                <a:schemeClr val="tx1"/>
+              </a:solidFill>
+              <a:effectLst/>
+              <a:latin typeface="+mn-lt"/>
+              <a:ea typeface="+mn-ea"/>
+              <a:cs typeface="+mn-cs"/>
+            </a:endParaRPr>
+          </a:p>
+          <a:p>
+            <a:pPr lvl="1"/>
+            <a:r>
+              <a:rPr lang="de-DE" sz="1200" kern="1200" dirty="0" smtClean="0">
+                <a:solidFill>
+                  <a:schemeClr val="tx1"/>
+                </a:solidFill>
+                <a:effectLst/>
+                <a:latin typeface="+mn-lt"/>
+                <a:ea typeface="+mn-ea"/>
+                <a:cs typeface="+mn-cs"/>
+              </a:rPr>
+              <a:t>Systeminstallation</a:t>
+            </a:r>
+            <a:endParaRPr lang="de-DE" sz="1050" kern="1200" dirty="0" smtClean="0">
+              <a:solidFill>
+                <a:schemeClr val="tx1"/>
+              </a:solidFill>
+              <a:effectLst/>
+              <a:latin typeface="+mn-lt"/>
+              <a:ea typeface="+mn-ea"/>
+              <a:cs typeface="+mn-cs"/>
+            </a:endParaRPr>
+          </a:p>
+          <a:p>
+            <a:pPr lvl="2"/>
+            <a:r>
+              <a:rPr lang="de-DE" sz="1200" kern="1200" dirty="0" smtClean="0">
+                <a:solidFill>
+                  <a:schemeClr val="tx1"/>
+                </a:solidFill>
+                <a:effectLst/>
+                <a:latin typeface="+mn-lt"/>
+                <a:ea typeface="+mn-ea"/>
+                <a:cs typeface="+mn-cs"/>
+              </a:rPr>
+              <a:t>Adaptierung</a:t>
+            </a:r>
+            <a:endParaRPr lang="de-DE" sz="1050" kern="1200" dirty="0" smtClean="0">
+              <a:solidFill>
+                <a:schemeClr val="tx1"/>
+              </a:solidFill>
+              <a:effectLst/>
+              <a:latin typeface="+mn-lt"/>
+              <a:ea typeface="+mn-ea"/>
+              <a:cs typeface="+mn-cs"/>
+            </a:endParaRPr>
+          </a:p>
+          <a:p>
+            <a:pPr lvl="2"/>
+            <a:r>
+              <a:rPr lang="de-DE" sz="1200" kern="1200" dirty="0" smtClean="0">
+                <a:solidFill>
+                  <a:schemeClr val="tx1"/>
+                </a:solidFill>
+                <a:effectLst/>
+                <a:latin typeface="+mn-lt"/>
+                <a:ea typeface="+mn-ea"/>
+                <a:cs typeface="+mn-cs"/>
+              </a:rPr>
+              <a:t>Tests</a:t>
+            </a:r>
+            <a:endParaRPr lang="de-DE" sz="1050" kern="1200" dirty="0" smtClean="0">
+              <a:solidFill>
+                <a:schemeClr val="tx1"/>
+              </a:solidFill>
+              <a:effectLst/>
+              <a:latin typeface="+mn-lt"/>
+              <a:ea typeface="+mn-ea"/>
+              <a:cs typeface="+mn-cs"/>
+            </a:endParaRPr>
+          </a:p>
+          <a:p>
+            <a:pPr lvl="2"/>
+            <a:r>
+              <a:rPr lang="de-DE" sz="1200" kern="1200" dirty="0" smtClean="0">
+                <a:solidFill>
+                  <a:schemeClr val="tx1"/>
+                </a:solidFill>
+                <a:effectLst/>
+                <a:latin typeface="+mn-lt"/>
+                <a:ea typeface="+mn-ea"/>
+                <a:cs typeface="+mn-cs"/>
+              </a:rPr>
+              <a:t>Schulung</a:t>
+            </a:r>
+            <a:endParaRPr lang="de-DE" sz="1050" kern="1200" dirty="0" smtClean="0">
+              <a:solidFill>
+                <a:schemeClr val="tx1"/>
+              </a:solidFill>
+              <a:effectLst/>
+              <a:latin typeface="+mn-lt"/>
+              <a:ea typeface="+mn-ea"/>
+              <a:cs typeface="+mn-cs"/>
+            </a:endParaRPr>
+          </a:p>
+          <a:p>
+            <a:pPr lvl="1"/>
+            <a:r>
+              <a:rPr lang="de-DE" sz="1200" kern="1200" dirty="0" smtClean="0">
+                <a:solidFill>
+                  <a:schemeClr val="tx1"/>
+                </a:solidFill>
+                <a:effectLst/>
+                <a:latin typeface="+mn-lt"/>
+                <a:ea typeface="+mn-ea"/>
+                <a:cs typeface="+mn-cs"/>
+              </a:rPr>
+              <a:t>Gerätebeschaffung</a:t>
+            </a:r>
+            <a:endParaRPr lang="de-DE" sz="1050" kern="1200" dirty="0" smtClean="0">
+              <a:solidFill>
+                <a:schemeClr val="tx1"/>
+              </a:solidFill>
+              <a:effectLst/>
+              <a:latin typeface="+mn-lt"/>
+              <a:ea typeface="+mn-ea"/>
+              <a:cs typeface="+mn-cs"/>
+            </a:endParaRPr>
+          </a:p>
+          <a:p>
+            <a:endParaRPr lang="de-DE" dirty="0"/>
+          </a:p>
+        </p:txBody>
+      </p:sp>
+      <p:sp>
+        <p:nvSpPr>
+          <p:cNvPr id="4" name="Foliennummernplatzhalter 3"/>
+          <p:cNvSpPr>
+            <a:spLocks noGrp="1"/>
+          </p:cNvSpPr>
+          <p:nvPr>
+            <p:ph type="sldNum" sz="quarter" idx="10"/>
+          </p:nvPr>
+        </p:nvSpPr>
+        <p:spPr/>
+        <p:txBody>
+          <a:bodyPr/>
+          <a:lstStyle/>
+          <a:p>
+            <a:fld id="{291A2AE1-9A89-46FB-B262-609F9F6D1590}" type="slidenum">
+              <a:rPr lang="de-DE" smtClean="0"/>
+              <a:t>11</a:t>
+            </a:fld>
+            <a:endParaRPr lang="de-DE"/>
+          </a:p>
+        </p:txBody>
+      </p:sp>
+    </p:spTree>
+    <p:extLst>
+      <p:ext uri="{BB962C8B-B14F-4D97-AF65-F5344CB8AC3E}">
+        <p14:creationId xmlns:p14="http://schemas.microsoft.com/office/powerpoint/2010/main" val="2334553661"/>
+      </p:ext>
+    </p:extLst>
+  </p:cSld>
+  <p:clrMapOvr>
+    <a:masterClrMapping/>
+  </p:clrMapOvr>
+</p:notes>
+</file>
+
+<file path=ppt/notesSlides/notesSlide7.xml><?xml version="1.0" encoding="utf-8"?>
+<p:notes xmlns:a="http://schemas.openxmlformats.org/drawingml/2006/main" xmlns:r="http://schemas.openxmlformats.org/officeDocument/2006/relationships" xmlns:p="http://schemas.openxmlformats.org/presentationml/2006/main">
+  <p:cSld>
+    <p:spTree>
+      <p:nvGrpSpPr>
+        <p:cNvPr id="1" name=""/>
+        <p:cNvGrpSpPr/>
+        <p:nvPr/>
+      </p:nvGrpSpPr>
+      <p:grpSpPr>
+        <a:xfrm>
+          <a:off x="0" y="0"/>
+          <a:ext cx="0" cy="0"/>
+          <a:chOff x="0" y="0"/>
+          <a:chExt cx="0" cy="0"/>
+        </a:xfrm>
+      </p:grpSpPr>
+      <p:sp>
+        <p:nvSpPr>
+          <p:cNvPr id="2" name="Folienbildplatzhalter 1"/>
+          <p:cNvSpPr>
+            <a:spLocks noGrp="1" noRot="1" noChangeAspect="1"/>
+          </p:cNvSpPr>
+          <p:nvPr>
+            <p:ph type="sldImg"/>
+          </p:nvPr>
+        </p:nvSpPr>
+        <p:spPr/>
+      </p:sp>
+      <p:sp>
+        <p:nvSpPr>
+          <p:cNvPr id="3" name="Notizenplatzhalter 2"/>
+          <p:cNvSpPr>
+            <a:spLocks noGrp="1"/>
+          </p:cNvSpPr>
+          <p:nvPr>
+            <p:ph type="body" idx="1"/>
+          </p:nvPr>
+        </p:nvSpPr>
+        <p:spPr/>
+        <p:txBody>
+          <a:bodyPr/>
+          <a:lstStyle/>
+          <a:p>
+            <a:pPr lvl="1"/>
+            <a:r>
+              <a:rPr lang="de-DE" dirty="0" smtClean="0"/>
+              <a:t>Unzulängliche Zeitplanung</a:t>
+            </a:r>
+            <a:endParaRPr lang="de-DE" sz="2000" dirty="0" smtClean="0"/>
+          </a:p>
+          <a:p>
+            <a:pPr lvl="1"/>
+            <a:r>
+              <a:rPr lang="de-DE" dirty="0" smtClean="0"/>
+              <a:t>Unzureichende Prozess- und Dokumentationsanalyse</a:t>
+            </a:r>
+            <a:endParaRPr lang="de-DE" sz="2000" dirty="0" smtClean="0"/>
+          </a:p>
+          <a:p>
+            <a:pPr lvl="3"/>
+            <a:r>
+              <a:rPr lang="de-DE" dirty="0" smtClean="0"/>
+              <a:t>Unzureichende Grundlage für </a:t>
+            </a:r>
+            <a:endParaRPr lang="de-DE" sz="2000" dirty="0" smtClean="0"/>
+          </a:p>
+          <a:p>
+            <a:pPr lvl="4"/>
+            <a:r>
+              <a:rPr lang="de-DE" dirty="0" smtClean="0"/>
+              <a:t>Systembewertung </a:t>
+            </a:r>
+            <a:endParaRPr lang="de-DE" sz="2000" dirty="0" smtClean="0"/>
+          </a:p>
+          <a:p>
+            <a:pPr lvl="4"/>
+            <a:r>
+              <a:rPr lang="de-DE" dirty="0" smtClean="0"/>
+              <a:t>Systemspezifikation  </a:t>
+            </a:r>
+            <a:endParaRPr lang="de-DE" sz="2000" dirty="0" smtClean="0"/>
+          </a:p>
+          <a:p>
+            <a:pPr lvl="4"/>
+            <a:r>
+              <a:rPr lang="de-DE" dirty="0" smtClean="0"/>
+              <a:t>Systemauswahl</a:t>
+            </a:r>
+            <a:endParaRPr lang="de-DE" sz="2000" dirty="0" smtClean="0"/>
+          </a:p>
+          <a:p>
+            <a:endParaRPr lang="de-DE" dirty="0"/>
+          </a:p>
+        </p:txBody>
+      </p:sp>
+      <p:sp>
+        <p:nvSpPr>
+          <p:cNvPr id="4" name="Foliennummernplatzhalter 3"/>
+          <p:cNvSpPr>
+            <a:spLocks noGrp="1"/>
+          </p:cNvSpPr>
+          <p:nvPr>
+            <p:ph type="sldNum" sz="quarter" idx="10"/>
+          </p:nvPr>
+        </p:nvSpPr>
+        <p:spPr/>
+        <p:txBody>
+          <a:bodyPr/>
+          <a:lstStyle/>
+          <a:p>
+            <a:fld id="{291A2AE1-9A89-46FB-B262-609F9F6D1590}" type="slidenum">
+              <a:rPr lang="de-DE" smtClean="0"/>
+              <a:t>12</a:t>
+            </a:fld>
+            <a:endParaRPr lang="de-DE"/>
+          </a:p>
+        </p:txBody>
+      </p:sp>
+    </p:spTree>
+    <p:extLst>
+      <p:ext uri="{BB962C8B-B14F-4D97-AF65-F5344CB8AC3E}">
+        <p14:creationId xmlns:p14="http://schemas.microsoft.com/office/powerpoint/2010/main" val="302452721"/>
+      </p:ext>
+    </p:extLst>
+  </p:cSld>
+  <p:clrMapOvr>
+    <a:masterClrMapping/>
+  </p:clrMapOvr>
+</p:notes>
+</file>
+
+<file path=ppt/notesSlides/notesSlide8.xml><?xml version="1.0" encoding="utf-8"?>
+<p:notes xmlns:a="http://schemas.openxmlformats.org/drawingml/2006/main" xmlns:r="http://schemas.openxmlformats.org/officeDocument/2006/relationships" xmlns:p="http://schemas.openxmlformats.org/presentationml/2006/main">
+  <p:cSld>
+    <p:spTree>
+      <p:nvGrpSpPr>
+        <p:cNvPr id="1" name=""/>
+        <p:cNvGrpSpPr/>
+        <p:nvPr/>
+      </p:nvGrpSpPr>
+      <p:grpSpPr>
+        <a:xfrm>
+          <a:off x="0" y="0"/>
+          <a:ext cx="0" cy="0"/>
+          <a:chOff x="0" y="0"/>
+          <a:chExt cx="0" cy="0"/>
+        </a:xfrm>
+      </p:grpSpPr>
+      <p:sp>
+        <p:nvSpPr>
+          <p:cNvPr id="2" name="Folienbildplatzhalter 1"/>
+          <p:cNvSpPr>
+            <a:spLocks noGrp="1" noRot="1" noChangeAspect="1"/>
+          </p:cNvSpPr>
+          <p:nvPr>
+            <p:ph type="sldImg"/>
+          </p:nvPr>
+        </p:nvSpPr>
+        <p:spPr/>
+      </p:sp>
+      <p:sp>
+        <p:nvSpPr>
+          <p:cNvPr id="3" name="Notizenplatzhalter 2"/>
+          <p:cNvSpPr>
+            <a:spLocks noGrp="1"/>
+          </p:cNvSpPr>
+          <p:nvPr>
+            <p:ph type="body" idx="1"/>
+          </p:nvPr>
+        </p:nvSpPr>
+        <p:spPr/>
+        <p:txBody>
+          <a:bodyPr/>
+          <a:lstStyle/>
+          <a:p>
+            <a:endParaRPr lang="de-DE" dirty="0"/>
+          </a:p>
+        </p:txBody>
+      </p:sp>
+      <p:sp>
+        <p:nvSpPr>
+          <p:cNvPr id="4" name="Foliennummernplatzhalter 3"/>
+          <p:cNvSpPr>
+            <a:spLocks noGrp="1"/>
+          </p:cNvSpPr>
+          <p:nvPr>
+            <p:ph type="sldNum" sz="quarter" idx="10"/>
+          </p:nvPr>
+        </p:nvSpPr>
+        <p:spPr/>
+        <p:txBody>
+          <a:bodyPr/>
+          <a:lstStyle/>
+          <a:p>
+            <a:fld id="{291A2AE1-9A89-46FB-B262-609F9F6D1590}" type="slidenum">
+              <a:rPr lang="de-DE" smtClean="0"/>
+              <a:t>13</a:t>
+            </a:fld>
+            <a:endParaRPr lang="de-DE"/>
+          </a:p>
+        </p:txBody>
+      </p:sp>
+    </p:spTree>
+    <p:extLst>
+      <p:ext uri="{BB962C8B-B14F-4D97-AF65-F5344CB8AC3E}">
+        <p14:creationId xmlns:p14="http://schemas.microsoft.com/office/powerpoint/2010/main" val="3949822254"/>
       </p:ext>
     </p:extLst>
   </p:cSld>
@@ -6229,8 +7474,8 @@
         </p:nvSpPr>
         <p:spPr>
           <a:xfrm>
-            <a:off x="801189" y="2404534"/>
-            <a:ext cx="9509761" cy="1646302"/>
+            <a:off x="801189" y="1948544"/>
+            <a:ext cx="9509761" cy="1807028"/>
           </a:xfrm>
         </p:spPr>
         <p:txBody>
@@ -6239,16 +7484,16 @@
           <a:p>
             <a:pPr algn="l"/>
             <a:r>
+              <a:rPr lang="de-DE" sz="3600" b="1" dirty="0"/>
+              <a:t>Einführung eines rechnerunterstützten</a:t>
+            </a:r>
+            <a:r>
               <a:rPr lang="de-DE" b="1" dirty="0"/>
-              <a:t>Einführung eines rechnerunterstützten </a:t>
+              <a:t> </a:t>
             </a:r>
             <a:r>
               <a:rPr lang="de-DE" b="1" dirty="0" smtClean="0"/>
-              <a:t>Intensiv-</a:t>
-            </a:r>
-            <a:r>
-              <a:rPr lang="de-DE" b="1" dirty="0" err="1" smtClean="0"/>
-              <a:t>dokumentationssystems</a:t>
+              <a:t>Intensivdokumentationssystems</a:t>
             </a:r>
             <a:r>
               <a:rPr lang="de-DE" b="1" dirty="0" smtClean="0"/>
@@ -6365,7 +7610,7 @@
 </p:sld>
 </file>
 
-<file path=ppt/slides/slide2.xml><?xml version="1.0" encoding="utf-8"?>
+<file path=ppt/slides/slide10.xml><?xml version="1.0" encoding="utf-8"?>
 <p:sld xmlns:a="http://schemas.openxmlformats.org/drawingml/2006/main" xmlns:r="http://schemas.openxmlformats.org/officeDocument/2006/relationships" xmlns:p="http://schemas.openxmlformats.org/presentationml/2006/main">
   <p:cSld>
     <p:spTree>
@@ -6392,86 +7637,16 @@
             <p:ph type="title"/>
           </p:nvPr>
         </p:nvSpPr>
-        <p:spPr>
-          <a:ln>
-            <a:solidFill>
-              <a:schemeClr val="bg1"/>
-            </a:solidFill>
-          </a:ln>
-        </p:spPr>
-        <p:txBody>
-          <a:bodyPr>
-            <a:normAutofit/>
-          </a:bodyPr>
-          <a:lstStyle/>
-          <a:p>
-            <a:r>
-              <a:rPr lang="de-DE" sz="4200" dirty="0" smtClean="0"/>
-              <a:t>Inhalt</a:t>
-            </a:r>
-            <a:endParaRPr lang="de-DE" sz="4200" dirty="0"/>
-          </a:p>
-        </p:txBody>
-      </p:sp>
-      <p:sp>
-        <p:nvSpPr>
-          <p:cNvPr id="7" name="Inhaltsplatzhalter 6"/>
-          <p:cNvSpPr>
-            <a:spLocks noGrp="1"/>
-          </p:cNvSpPr>
-          <p:nvPr>
-            <p:ph idx="1"/>
-          </p:nvPr>
-        </p:nvSpPr>
         <p:spPr/>
         <p:txBody>
-          <a:bodyPr>
-            <a:normAutofit/>
-          </a:bodyPr>
-          <a:lstStyle/>
-          <a:p>
-            <a:r>
-              <a:rPr lang="de-DE" dirty="0"/>
-              <a:t>Aufgaben eines Intensivdokumentationssystems</a:t>
-            </a:r>
-          </a:p>
-          <a:p>
-            <a:r>
-              <a:rPr lang="de-DE" dirty="0"/>
-              <a:t>Problematik bei der Neueinführung</a:t>
-            </a:r>
-          </a:p>
-          <a:p>
-            <a:r>
-              <a:rPr lang="de-DE" dirty="0"/>
-              <a:t>Motivation</a:t>
-            </a:r>
-          </a:p>
-          <a:p>
-            <a:r>
-              <a:rPr lang="de-DE" dirty="0"/>
-              <a:t>Folgerungen</a:t>
-            </a:r>
-          </a:p>
-          <a:p>
-            <a:pPr lvl="0"/>
-            <a:r>
-              <a:rPr lang="de-DE" dirty="0"/>
+          <a:bodyPr/>
+          <a:lstStyle/>
+          <a:p>
+            <a:r>
+              <a:rPr lang="de-DE" dirty="0" smtClean="0"/>
               <a:t>Vorgehensplan</a:t>
             </a:r>
-          </a:p>
-          <a:p>
-            <a:r>
-              <a:rPr lang="de-DE" dirty="0"/>
-              <a:t>Kostenplan</a:t>
-            </a:r>
-          </a:p>
-          <a:p>
-            <a:r>
-              <a:rPr lang="de-DE" dirty="0" smtClean="0"/>
-              <a:t>Risiken</a:t>
-            </a:r>
-            <a:endParaRPr lang="de-DE" sz="2800" dirty="0"/>
+            <a:endParaRPr lang="de-DE" dirty="0"/>
           </a:p>
         </p:txBody>
       </p:sp>
@@ -6498,27 +7673,44 @@
           </a:p>
         </p:txBody>
       </p:sp>
+      <p:pic>
+        <p:nvPicPr>
+          <p:cNvPr id="5" name="Grafik 4"/>
+          <p:cNvPicPr>
+            <a:picLocks noChangeAspect="1"/>
+          </p:cNvPicPr>
+          <p:nvPr/>
+        </p:nvPicPr>
+        <p:blipFill>
+          <a:blip r:embed="rId3"/>
+          <a:stretch>
+            <a:fillRect/>
+          </a:stretch>
+        </p:blipFill>
+        <p:spPr>
+          <a:xfrm>
+            <a:off x="51768" y="1807029"/>
+            <a:ext cx="11892218" cy="3298371"/>
+          </a:xfrm>
+          <a:prstGeom prst="rect">
+            <a:avLst/>
+          </a:prstGeom>
+        </p:spPr>
+      </p:pic>
     </p:spTree>
     <p:extLst>
       <p:ext uri="{BB962C8B-B14F-4D97-AF65-F5344CB8AC3E}">
-        <p14:creationId xmlns:p14="http://schemas.microsoft.com/office/powerpoint/2010/main" val="1222809687"/>
+        <p14:creationId xmlns:p14="http://schemas.microsoft.com/office/powerpoint/2010/main" val="3757438799"/>
       </p:ext>
     </p:extLst>
   </p:cSld>
   <p:clrMapOvr>
     <a:masterClrMapping/>
   </p:clrMapOvr>
-  <p:timing>
-    <p:tnLst>
-      <p:par>
-        <p:cTn id="1" dur="indefinite" restart="never" nodeType="tmRoot"/>
-      </p:par>
-    </p:tnLst>
-  </p:timing>
 </p:sld>
 </file>
 
-<file path=ppt/slides/slide3.xml><?xml version="1.0" encoding="utf-8"?>
+<file path=ppt/slides/slide11.xml><?xml version="1.0" encoding="utf-8"?>
 <p:sld xmlns:a="http://schemas.openxmlformats.org/drawingml/2006/main" xmlns:r="http://schemas.openxmlformats.org/officeDocument/2006/relationships" xmlns:p="http://schemas.openxmlformats.org/presentationml/2006/main">
   <p:cSld>
     <p:spTree>
@@ -6547,18 +7739,13 @@
         </p:nvSpPr>
         <p:spPr/>
         <p:txBody>
-          <a:bodyPr>
-            <a:normAutofit fontScale="90000"/>
-          </a:bodyPr>
-          <a:lstStyle/>
-          <a:p>
-            <a:r>
-              <a:rPr lang="de-DE" dirty="0"/>
-              <a:t>Aufgaben eines Intensivdokumentationssystems</a:t>
-            </a:r>
-            <a:br>
-              <a:rPr lang="de-DE" dirty="0"/>
-            </a:br>
+          <a:bodyPr/>
+          <a:lstStyle/>
+          <a:p>
+            <a:r>
+              <a:rPr lang="de-DE" dirty="0" smtClean="0"/>
+              <a:t>Kostenplan</a:t>
+            </a:r>
             <a:endParaRPr lang="de-DE" dirty="0"/>
           </a:p>
         </p:txBody>
@@ -6583,43 +7770,39 @@
             <a:pPr lvl="1"/>
             <a:r>
               <a:rPr lang="de-DE" dirty="0"/>
-              <a:t>Grundlegende Funktionen:</a:t>
+              <a:t>Personalkosten für</a:t>
             </a:r>
             <a:endParaRPr lang="de-DE" sz="2000" dirty="0"/>
           </a:p>
           <a:p>
-            <a:pPr lvl="2"/>
+            <a:pPr lvl="1"/>
+            <a:r>
+              <a:rPr lang="de-DE" dirty="0" smtClean="0"/>
+              <a:t>Ausschreibungskosten</a:t>
+            </a:r>
+            <a:endParaRPr lang="de-DE" sz="2000" dirty="0"/>
+          </a:p>
+          <a:p>
+            <a:pPr lvl="1"/>
             <a:r>
               <a:rPr lang="de-DE" dirty="0"/>
-              <a:t>Erfassen</a:t>
+              <a:t>Kauf des Systems</a:t>
             </a:r>
             <a:endParaRPr lang="de-DE" sz="2000" dirty="0"/>
           </a:p>
           <a:p>
-            <a:pPr lvl="2"/>
+            <a:pPr lvl="1"/>
             <a:r>
               <a:rPr lang="de-DE" dirty="0"/>
-              <a:t>Speichern</a:t>
+              <a:t>Systeminstallation</a:t>
             </a:r>
             <a:endParaRPr lang="de-DE" sz="2000" dirty="0"/>
           </a:p>
           <a:p>
-            <a:pPr lvl="2"/>
-            <a:r>
-              <a:rPr lang="de-DE" dirty="0"/>
-              <a:t>Präsentieren</a:t>
-            </a:r>
-            <a:endParaRPr lang="de-DE" sz="2000" dirty="0"/>
-          </a:p>
-          <a:p>
-            <a:pPr lvl="2"/>
+            <a:pPr lvl="1"/>
             <a:r>
               <a:rPr lang="de-DE" dirty="0" smtClean="0"/>
-              <a:t>Überwachen von </a:t>
-            </a:r>
-            <a:r>
-              <a:rPr lang="de-DE" dirty="0"/>
-              <a:t>anfallenden klinischen Daten </a:t>
+              <a:t>Gerätebeschaffung</a:t>
             </a:r>
             <a:endParaRPr lang="de-DE" sz="2000" dirty="0"/>
           </a:p>
@@ -6654,7 +7837,7 @@
     </p:spTree>
     <p:extLst>
       <p:ext uri="{BB962C8B-B14F-4D97-AF65-F5344CB8AC3E}">
-        <p14:creationId xmlns:p14="http://schemas.microsoft.com/office/powerpoint/2010/main" val="1324015276"/>
+        <p14:creationId xmlns:p14="http://schemas.microsoft.com/office/powerpoint/2010/main" val="1411464280"/>
       </p:ext>
     </p:extLst>
   </p:cSld>
@@ -6664,7 +7847,7 @@
 </p:sld>
 </file>
 
-<file path=ppt/slides/slide4.xml><?xml version="1.0" encoding="utf-8"?>
+<file path=ppt/slides/slide12.xml><?xml version="1.0" encoding="utf-8"?>
 <p:sld xmlns:a="http://schemas.openxmlformats.org/drawingml/2006/main" xmlns:r="http://schemas.openxmlformats.org/officeDocument/2006/relationships" xmlns:p="http://schemas.openxmlformats.org/presentationml/2006/main">
   <p:cSld>
     <p:spTree>
@@ -6693,18 +7876,13 @@
         </p:nvSpPr>
         <p:spPr/>
         <p:txBody>
-          <a:bodyPr>
-            <a:normAutofit fontScale="90000"/>
-          </a:bodyPr>
-          <a:lstStyle/>
-          <a:p>
-            <a:r>
-              <a:rPr lang="de-DE" dirty="0"/>
-              <a:t>Aufgaben eines Intensivdokumentationssystems</a:t>
-            </a:r>
-            <a:br>
-              <a:rPr lang="de-DE" dirty="0"/>
-            </a:br>
+          <a:bodyPr/>
+          <a:lstStyle/>
+          <a:p>
+            <a:r>
+              <a:rPr lang="de-DE" dirty="0" smtClean="0"/>
+              <a:t>Risiken</a:t>
+            </a:r>
             <a:endParaRPr lang="de-DE" dirty="0"/>
           </a:p>
         </p:txBody>
@@ -6728,72 +7906,44 @@
           <a:p>
             <a:pPr lvl="1"/>
             <a:r>
+              <a:rPr lang="de-DE" dirty="0"/>
+              <a:t>Unzulängliche Zeitplanung</a:t>
+            </a:r>
+            <a:endParaRPr lang="de-DE" sz="2000" dirty="0"/>
+          </a:p>
+          <a:p>
+            <a:pPr lvl="1"/>
+            <a:r>
+              <a:rPr lang="de-DE" dirty="0"/>
+              <a:t>Unzureichende Prozess- und Dokumentationsanalyse</a:t>
+            </a:r>
+            <a:endParaRPr lang="de-DE" sz="2000" dirty="0"/>
+          </a:p>
+          <a:p>
+            <a:pPr lvl="1"/>
+            <a:r>
               <a:rPr lang="de-DE" dirty="0" smtClean="0"/>
-              <a:t>Mögliche </a:t>
+              <a:t>Kosten </a:t>
             </a:r>
             <a:r>
               <a:rPr lang="de-DE" dirty="0"/>
-              <a:t>zusätzliche Funktionen:</a:t>
+              <a:t>unterschätzt</a:t>
             </a:r>
             <a:endParaRPr lang="de-DE" sz="2000" dirty="0"/>
           </a:p>
           <a:p>
-            <a:pPr lvl="2"/>
-            <a:r>
-              <a:rPr lang="de-DE" dirty="0" smtClean="0"/>
-              <a:t>elektronischen </a:t>
-            </a:r>
+            <a:pPr lvl="1"/>
             <a:r>
               <a:rPr lang="de-DE" dirty="0"/>
-              <a:t>Übermittlung </a:t>
-            </a:r>
-            <a:r>
-              <a:rPr lang="de-DE" dirty="0" smtClean="0"/>
-              <a:t>der </a:t>
-            </a:r>
+              <a:t>Falsche Ressourcen gekauft</a:t>
+            </a:r>
+            <a:endParaRPr lang="de-DE" sz="2000" dirty="0"/>
+          </a:p>
+          <a:p>
+            <a:pPr lvl="1"/>
             <a:r>
               <a:rPr lang="de-DE" dirty="0"/>
-              <a:t>Therapie bei </a:t>
-            </a:r>
-            <a:r>
-              <a:rPr lang="de-DE" dirty="0" err="1" smtClean="0"/>
-              <a:t>Verlegungtation</a:t>
-            </a:r>
-            <a:endParaRPr lang="de-DE" sz="2000" dirty="0" smtClean="0"/>
-          </a:p>
-          <a:p>
-            <a:pPr lvl="2"/>
-            <a:r>
-              <a:rPr lang="de-DE" dirty="0" smtClean="0"/>
-              <a:t>Leistungserfassung</a:t>
-            </a:r>
-            <a:endParaRPr lang="de-DE" sz="2000" dirty="0" smtClean="0"/>
-          </a:p>
-          <a:p>
-            <a:pPr lvl="2"/>
-            <a:r>
-              <a:rPr lang="de-DE" dirty="0" smtClean="0"/>
-              <a:t>Automatische </a:t>
-            </a:r>
-            <a:r>
-              <a:rPr lang="de-DE" dirty="0"/>
-              <a:t>physiologische Berechnung</a:t>
-            </a:r>
-            <a:endParaRPr lang="de-DE" sz="2000" dirty="0"/>
-          </a:p>
-          <a:p>
-            <a:pPr lvl="2"/>
-            <a:r>
-              <a:rPr lang="de-DE" dirty="0"/>
-              <a:t>Intensivmedizinische Verordnungsplanung</a:t>
-            </a:r>
-            <a:endParaRPr lang="de-DE" sz="2000" dirty="0"/>
-          </a:p>
-          <a:p>
-            <a:pPr lvl="2"/>
-            <a:r>
-              <a:rPr lang="de-DE" dirty="0"/>
-              <a:t>Intensivmedizinische Arztbriefschreibung</a:t>
+              <a:t>Mehr Zeitaufwand für Prozesse und Dokumentation als vorher</a:t>
             </a:r>
             <a:endParaRPr lang="de-DE" sz="2000" dirty="0"/>
           </a:p>
@@ -6828,7 +7978,7 @@
     </p:spTree>
     <p:extLst>
       <p:ext uri="{BB962C8B-B14F-4D97-AF65-F5344CB8AC3E}">
-        <p14:creationId xmlns:p14="http://schemas.microsoft.com/office/powerpoint/2010/main" val="216958709"/>
+        <p14:creationId xmlns:p14="http://schemas.microsoft.com/office/powerpoint/2010/main" val="1769033386"/>
       </p:ext>
     </p:extLst>
   </p:cSld>
@@ -6838,7 +7988,163 @@
 </p:sld>
 </file>
 
-<file path=ppt/slides/slide5.xml><?xml version="1.0" encoding="utf-8"?>
+<file path=ppt/slides/slide13.xml><?xml version="1.0" encoding="utf-8"?>
+<p:sld xmlns:a="http://schemas.openxmlformats.org/drawingml/2006/main" xmlns:r="http://schemas.openxmlformats.org/officeDocument/2006/relationships" xmlns:p="http://schemas.openxmlformats.org/presentationml/2006/main">
+  <p:cSld>
+    <p:spTree>
+      <p:nvGrpSpPr>
+        <p:cNvPr id="1" name=""/>
+        <p:cNvGrpSpPr/>
+        <p:nvPr/>
+      </p:nvGrpSpPr>
+      <p:grpSpPr>
+        <a:xfrm>
+          <a:off x="0" y="0"/>
+          <a:ext cx="0" cy="0"/>
+          <a:chOff x="0" y="0"/>
+          <a:chExt cx="0" cy="0"/>
+        </a:xfrm>
+      </p:grpSpPr>
+      <p:sp>
+        <p:nvSpPr>
+          <p:cNvPr id="2" name="Titel 1"/>
+          <p:cNvSpPr>
+            <a:spLocks noGrp="1"/>
+          </p:cNvSpPr>
+          <p:nvPr>
+            <p:ph type="title"/>
+          </p:nvPr>
+        </p:nvSpPr>
+        <p:spPr/>
+        <p:txBody>
+          <a:bodyPr/>
+          <a:lstStyle/>
+          <a:p>
+            <a:r>
+              <a:rPr lang="de-DE" dirty="0" smtClean="0"/>
+              <a:t>Risiken</a:t>
+            </a:r>
+            <a:endParaRPr lang="de-DE" dirty="0"/>
+          </a:p>
+        </p:txBody>
+      </p:sp>
+      <p:sp>
+        <p:nvSpPr>
+          <p:cNvPr id="3" name="Inhaltsplatzhalter 2"/>
+          <p:cNvSpPr>
+            <a:spLocks noGrp="1"/>
+          </p:cNvSpPr>
+          <p:nvPr>
+            <p:ph idx="1"/>
+          </p:nvPr>
+        </p:nvSpPr>
+        <p:spPr/>
+        <p:txBody>
+          <a:bodyPr>
+            <a:normAutofit fontScale="92500" lnSpcReduction="10000"/>
+          </a:bodyPr>
+          <a:lstStyle/>
+          <a:p>
+            <a:pPr lvl="1"/>
+            <a:r>
+              <a:rPr lang="de-DE" dirty="0"/>
+              <a:t>Personal kommt mit System nicht zurecht</a:t>
+            </a:r>
+            <a:endParaRPr lang="de-DE" sz="2000" dirty="0"/>
+          </a:p>
+          <a:p>
+            <a:pPr lvl="1"/>
+            <a:r>
+              <a:rPr lang="de-DE" dirty="0"/>
+              <a:t>Integration in bestehende Systeme klappt nicht / Schnittstellenfehler</a:t>
+            </a:r>
+            <a:endParaRPr lang="de-DE" sz="2000" dirty="0"/>
+          </a:p>
+          <a:p>
+            <a:pPr lvl="1"/>
+            <a:r>
+              <a:rPr lang="de-DE" dirty="0"/>
+              <a:t>Keine geeigneten Angebote</a:t>
+            </a:r>
+            <a:endParaRPr lang="de-DE" sz="2000" dirty="0"/>
+          </a:p>
+          <a:p>
+            <a:pPr lvl="1"/>
+            <a:r>
+              <a:rPr lang="de-DE" dirty="0"/>
+              <a:t>Keine geeignete Unterstützung durch Verkaufsfirma </a:t>
+            </a:r>
+            <a:endParaRPr lang="de-DE" sz="2000" dirty="0"/>
+          </a:p>
+          <a:p>
+            <a:pPr lvl="1"/>
+            <a:r>
+              <a:rPr lang="de-DE" dirty="0"/>
+              <a:t>Personalausfall </a:t>
+            </a:r>
+            <a:endParaRPr lang="de-DE" sz="2000" dirty="0"/>
+          </a:p>
+          <a:p>
+            <a:pPr lvl="1"/>
+            <a:r>
+              <a:rPr lang="de-DE" dirty="0" smtClean="0"/>
+              <a:t>Katastrophen, höhere Gewalt</a:t>
+            </a:r>
+          </a:p>
+          <a:p>
+            <a:pPr lvl="1"/>
+            <a:r>
+              <a:rPr lang="de-DE" dirty="0" smtClean="0"/>
+              <a:t>Fehlerhafte </a:t>
+            </a:r>
+            <a:r>
+              <a:rPr lang="de-DE" dirty="0"/>
+              <a:t>Software</a:t>
+            </a:r>
+            <a:endParaRPr lang="de-DE" sz="2000" dirty="0"/>
+          </a:p>
+          <a:p>
+            <a:endParaRPr lang="de-DE" dirty="0"/>
+          </a:p>
+        </p:txBody>
+      </p:sp>
+      <p:sp>
+        <p:nvSpPr>
+          <p:cNvPr id="4" name="Fußzeilenplatzhalter 3"/>
+          <p:cNvSpPr>
+            <a:spLocks noGrp="1"/>
+          </p:cNvSpPr>
+          <p:nvPr>
+            <p:ph type="ftr" sz="quarter" idx="11"/>
+          </p:nvPr>
+        </p:nvSpPr>
+        <p:spPr/>
+        <p:txBody>
+          <a:bodyPr/>
+          <a:lstStyle/>
+          <a:p>
+            <a:r>
+              <a:rPr lang="en-US" smtClean="0"/>
+              <a:t>| Dominik Meixner | Dominique Cheray |</a:t>
+            </a:r>
+            <a:endParaRPr lang="en-US" dirty="0"/>
+          </a:p>
+        </p:txBody>
+      </p:sp>
+    </p:spTree>
+    <p:extLst>
+      <p:ext uri="{BB962C8B-B14F-4D97-AF65-F5344CB8AC3E}">
+        <p14:creationId xmlns:p14="http://schemas.microsoft.com/office/powerpoint/2010/main" val="2219804125"/>
+      </p:ext>
+    </p:extLst>
+  </p:cSld>
+  <p:clrMapOvr>
+    <a:masterClrMapping/>
+  </p:clrMapOvr>
+</p:sld>
+</file>
+
+<file path=ppt/slides/slide14.xml><?xml version="1.0" encoding="utf-8"?>
 <p:sld xmlns:a="http://schemas.openxmlformats.org/drawingml/2006/main" xmlns:r="http://schemas.openxmlformats.org/officeDocument/2006/relationships" xmlns:p="http://schemas.openxmlformats.org/presentationml/2006/main">
   <p:cSld>
     <p:spTree>
@@ -7051,6 +8357,1075 @@
     <p:extLst>
       <p:ext uri="{BB962C8B-B14F-4D97-AF65-F5344CB8AC3E}">
         <p14:creationId xmlns:p14="http://schemas.microsoft.com/office/powerpoint/2010/main" val="1827241420"/>
+      </p:ext>
+    </p:extLst>
+  </p:cSld>
+  <p:clrMapOvr>
+    <a:masterClrMapping/>
+  </p:clrMapOvr>
+</p:sld>
+</file>
+
+<file path=ppt/slides/slide2.xml><?xml version="1.0" encoding="utf-8"?>
+<p:sld xmlns:a="http://schemas.openxmlformats.org/drawingml/2006/main" xmlns:r="http://schemas.openxmlformats.org/officeDocument/2006/relationships" xmlns:p="http://schemas.openxmlformats.org/presentationml/2006/main">
+  <p:cSld>
+    <p:spTree>
+      <p:nvGrpSpPr>
+        <p:cNvPr id="1" name=""/>
+        <p:cNvGrpSpPr/>
+        <p:nvPr/>
+      </p:nvGrpSpPr>
+      <p:grpSpPr>
+        <a:xfrm>
+          <a:off x="0" y="0"/>
+          <a:ext cx="0" cy="0"/>
+          <a:chOff x="0" y="0"/>
+          <a:chExt cx="0" cy="0"/>
+        </a:xfrm>
+      </p:grpSpPr>
+      <p:sp>
+        <p:nvSpPr>
+          <p:cNvPr id="2" name="Titel 1"/>
+          <p:cNvSpPr>
+            <a:spLocks noGrp="1"/>
+          </p:cNvSpPr>
+          <p:nvPr>
+            <p:ph type="title"/>
+          </p:nvPr>
+        </p:nvSpPr>
+        <p:spPr>
+          <a:ln>
+            <a:solidFill>
+              <a:schemeClr val="bg1"/>
+            </a:solidFill>
+          </a:ln>
+        </p:spPr>
+        <p:txBody>
+          <a:bodyPr>
+            <a:normAutofit/>
+          </a:bodyPr>
+          <a:lstStyle/>
+          <a:p>
+            <a:r>
+              <a:rPr lang="de-DE" sz="4200" dirty="0" smtClean="0"/>
+              <a:t>Inhalt</a:t>
+            </a:r>
+            <a:endParaRPr lang="de-DE" sz="4200" dirty="0"/>
+          </a:p>
+        </p:txBody>
+      </p:sp>
+      <p:sp>
+        <p:nvSpPr>
+          <p:cNvPr id="7" name="Inhaltsplatzhalter 6"/>
+          <p:cNvSpPr>
+            <a:spLocks noGrp="1"/>
+          </p:cNvSpPr>
+          <p:nvPr>
+            <p:ph idx="1"/>
+          </p:nvPr>
+        </p:nvSpPr>
+        <p:spPr/>
+        <p:txBody>
+          <a:bodyPr>
+            <a:normAutofit/>
+          </a:bodyPr>
+          <a:lstStyle/>
+          <a:p>
+            <a:r>
+              <a:rPr lang="de-DE" dirty="0"/>
+              <a:t>Aufgaben eines Intensivdokumentationssystems</a:t>
+            </a:r>
+          </a:p>
+          <a:p>
+            <a:r>
+              <a:rPr lang="de-DE" dirty="0"/>
+              <a:t>Problematik bei der Neueinführung</a:t>
+            </a:r>
+          </a:p>
+          <a:p>
+            <a:r>
+              <a:rPr lang="de-DE" dirty="0"/>
+              <a:t>Motivation</a:t>
+            </a:r>
+          </a:p>
+          <a:p>
+            <a:r>
+              <a:rPr lang="de-DE" dirty="0"/>
+              <a:t>Folgerungen</a:t>
+            </a:r>
+          </a:p>
+          <a:p>
+            <a:pPr lvl="0"/>
+            <a:r>
+              <a:rPr lang="de-DE" dirty="0"/>
+              <a:t>Vorgehensplan</a:t>
+            </a:r>
+          </a:p>
+          <a:p>
+            <a:r>
+              <a:rPr lang="de-DE" dirty="0"/>
+              <a:t>Kostenplan</a:t>
+            </a:r>
+          </a:p>
+          <a:p>
+            <a:r>
+              <a:rPr lang="de-DE" dirty="0" smtClean="0"/>
+              <a:t>Risiken</a:t>
+            </a:r>
+            <a:endParaRPr lang="de-DE" sz="2800" dirty="0"/>
+          </a:p>
+        </p:txBody>
+      </p:sp>
+      <p:sp>
+        <p:nvSpPr>
+          <p:cNvPr id="4" name="Fußzeilenplatzhalter 3"/>
+          <p:cNvSpPr>
+            <a:spLocks noGrp="1"/>
+          </p:cNvSpPr>
+          <p:nvPr>
+            <p:ph type="ftr" sz="quarter" idx="11"/>
+          </p:nvPr>
+        </p:nvSpPr>
+        <p:spPr/>
+        <p:txBody>
+          <a:bodyPr/>
+          <a:lstStyle/>
+          <a:p>
+            <a:r>
+              <a:rPr lang="en-US" smtClean="0"/>
+              <a:t>| Dominik Meixner | Dominique Cheray |</a:t>
+            </a:r>
+            <a:endParaRPr lang="en-US" dirty="0"/>
+          </a:p>
+        </p:txBody>
+      </p:sp>
+    </p:spTree>
+    <p:extLst>
+      <p:ext uri="{BB962C8B-B14F-4D97-AF65-F5344CB8AC3E}">
+        <p14:creationId xmlns:p14="http://schemas.microsoft.com/office/powerpoint/2010/main" val="1222809687"/>
+      </p:ext>
+    </p:extLst>
+  </p:cSld>
+  <p:clrMapOvr>
+    <a:masterClrMapping/>
+  </p:clrMapOvr>
+  <p:timing>
+    <p:tnLst>
+      <p:par>
+        <p:cTn id="1" dur="indefinite" restart="never" nodeType="tmRoot"/>
+      </p:par>
+    </p:tnLst>
+  </p:timing>
+</p:sld>
+</file>
+
+<file path=ppt/slides/slide3.xml><?xml version="1.0" encoding="utf-8"?>
+<p:sld xmlns:a="http://schemas.openxmlformats.org/drawingml/2006/main" xmlns:r="http://schemas.openxmlformats.org/officeDocument/2006/relationships" xmlns:p="http://schemas.openxmlformats.org/presentationml/2006/main">
+  <p:cSld>
+    <p:spTree>
+      <p:nvGrpSpPr>
+        <p:cNvPr id="1" name=""/>
+        <p:cNvGrpSpPr/>
+        <p:nvPr/>
+      </p:nvGrpSpPr>
+      <p:grpSpPr>
+        <a:xfrm>
+          <a:off x="0" y="0"/>
+          <a:ext cx="0" cy="0"/>
+          <a:chOff x="0" y="0"/>
+          <a:chExt cx="0" cy="0"/>
+        </a:xfrm>
+      </p:grpSpPr>
+      <p:sp>
+        <p:nvSpPr>
+          <p:cNvPr id="2" name="Titel 1"/>
+          <p:cNvSpPr>
+            <a:spLocks noGrp="1"/>
+          </p:cNvSpPr>
+          <p:nvPr>
+            <p:ph type="title"/>
+          </p:nvPr>
+        </p:nvSpPr>
+        <p:spPr/>
+        <p:txBody>
+          <a:bodyPr>
+            <a:normAutofit fontScale="90000"/>
+          </a:bodyPr>
+          <a:lstStyle/>
+          <a:p>
+            <a:r>
+              <a:rPr lang="de-DE" dirty="0"/>
+              <a:t>Aufgaben eines Intensivdokumentationssystems</a:t>
+            </a:r>
+            <a:br>
+              <a:rPr lang="de-DE" dirty="0"/>
+            </a:br>
+            <a:endParaRPr lang="de-DE" dirty="0"/>
+          </a:p>
+        </p:txBody>
+      </p:sp>
+      <p:sp>
+        <p:nvSpPr>
+          <p:cNvPr id="3" name="Inhaltsplatzhalter 2"/>
+          <p:cNvSpPr>
+            <a:spLocks noGrp="1"/>
+          </p:cNvSpPr>
+          <p:nvPr>
+            <p:ph idx="1"/>
+          </p:nvPr>
+        </p:nvSpPr>
+        <p:spPr/>
+        <p:txBody>
+          <a:bodyPr>
+            <a:normAutofit/>
+          </a:bodyPr>
+          <a:lstStyle/>
+          <a:p>
+            <a:pPr lvl="1"/>
+            <a:r>
+              <a:rPr lang="de-DE" dirty="0"/>
+              <a:t>Grundlegende Funktionen:</a:t>
+            </a:r>
+            <a:endParaRPr lang="de-DE" sz="2000" dirty="0"/>
+          </a:p>
+          <a:p>
+            <a:pPr lvl="2"/>
+            <a:r>
+              <a:rPr lang="de-DE" dirty="0"/>
+              <a:t>Erfassen</a:t>
+            </a:r>
+            <a:endParaRPr lang="de-DE" sz="2000" dirty="0"/>
+          </a:p>
+          <a:p>
+            <a:pPr lvl="2"/>
+            <a:r>
+              <a:rPr lang="de-DE" dirty="0"/>
+              <a:t>Speichern</a:t>
+            </a:r>
+            <a:endParaRPr lang="de-DE" sz="2000" dirty="0"/>
+          </a:p>
+          <a:p>
+            <a:pPr lvl="2"/>
+            <a:r>
+              <a:rPr lang="de-DE" dirty="0"/>
+              <a:t>Präsentieren</a:t>
+            </a:r>
+            <a:endParaRPr lang="de-DE" sz="2000" dirty="0"/>
+          </a:p>
+          <a:p>
+            <a:pPr lvl="2"/>
+            <a:r>
+              <a:rPr lang="de-DE" dirty="0" smtClean="0"/>
+              <a:t>Überwachen von </a:t>
+            </a:r>
+            <a:r>
+              <a:rPr lang="de-DE" dirty="0"/>
+              <a:t>anfallenden klinischen Daten </a:t>
+            </a:r>
+            <a:endParaRPr lang="de-DE" sz="2000" dirty="0"/>
+          </a:p>
+          <a:p>
+            <a:endParaRPr lang="de-DE" dirty="0"/>
+          </a:p>
+        </p:txBody>
+      </p:sp>
+      <p:sp>
+        <p:nvSpPr>
+          <p:cNvPr id="4" name="Fußzeilenplatzhalter 3"/>
+          <p:cNvSpPr>
+            <a:spLocks noGrp="1"/>
+          </p:cNvSpPr>
+          <p:nvPr>
+            <p:ph type="ftr" sz="quarter" idx="11"/>
+          </p:nvPr>
+        </p:nvSpPr>
+        <p:spPr/>
+        <p:txBody>
+          <a:bodyPr/>
+          <a:lstStyle/>
+          <a:p>
+            <a:r>
+              <a:rPr lang="en-US" smtClean="0"/>
+              <a:t>| Dominik Meixner | Dominique Cheray |</a:t>
+            </a:r>
+            <a:endParaRPr lang="en-US" dirty="0"/>
+          </a:p>
+        </p:txBody>
+      </p:sp>
+    </p:spTree>
+    <p:extLst>
+      <p:ext uri="{BB962C8B-B14F-4D97-AF65-F5344CB8AC3E}">
+        <p14:creationId xmlns:p14="http://schemas.microsoft.com/office/powerpoint/2010/main" val="1324015276"/>
+      </p:ext>
+    </p:extLst>
+  </p:cSld>
+  <p:clrMapOvr>
+    <a:masterClrMapping/>
+  </p:clrMapOvr>
+</p:sld>
+</file>
+
+<file path=ppt/slides/slide4.xml><?xml version="1.0" encoding="utf-8"?>
+<p:sld xmlns:a="http://schemas.openxmlformats.org/drawingml/2006/main" xmlns:r="http://schemas.openxmlformats.org/officeDocument/2006/relationships" xmlns:p="http://schemas.openxmlformats.org/presentationml/2006/main">
+  <p:cSld>
+    <p:spTree>
+      <p:nvGrpSpPr>
+        <p:cNvPr id="1" name=""/>
+        <p:cNvGrpSpPr/>
+        <p:nvPr/>
+      </p:nvGrpSpPr>
+      <p:grpSpPr>
+        <a:xfrm>
+          <a:off x="0" y="0"/>
+          <a:ext cx="0" cy="0"/>
+          <a:chOff x="0" y="0"/>
+          <a:chExt cx="0" cy="0"/>
+        </a:xfrm>
+      </p:grpSpPr>
+      <p:sp>
+        <p:nvSpPr>
+          <p:cNvPr id="2" name="Titel 1"/>
+          <p:cNvSpPr>
+            <a:spLocks noGrp="1"/>
+          </p:cNvSpPr>
+          <p:nvPr>
+            <p:ph type="title"/>
+          </p:nvPr>
+        </p:nvSpPr>
+        <p:spPr/>
+        <p:txBody>
+          <a:bodyPr>
+            <a:normAutofit fontScale="90000"/>
+          </a:bodyPr>
+          <a:lstStyle/>
+          <a:p>
+            <a:r>
+              <a:rPr lang="de-DE" dirty="0"/>
+              <a:t>Aufgaben eines Intensivdokumentationssystems</a:t>
+            </a:r>
+            <a:br>
+              <a:rPr lang="de-DE" dirty="0"/>
+            </a:br>
+            <a:endParaRPr lang="de-DE" dirty="0"/>
+          </a:p>
+        </p:txBody>
+      </p:sp>
+      <p:sp>
+        <p:nvSpPr>
+          <p:cNvPr id="3" name="Inhaltsplatzhalter 2"/>
+          <p:cNvSpPr>
+            <a:spLocks noGrp="1"/>
+          </p:cNvSpPr>
+          <p:nvPr>
+            <p:ph idx="1"/>
+          </p:nvPr>
+        </p:nvSpPr>
+        <p:spPr/>
+        <p:txBody>
+          <a:bodyPr>
+            <a:normAutofit/>
+          </a:bodyPr>
+          <a:lstStyle/>
+          <a:p>
+            <a:pPr lvl="1"/>
+            <a:r>
+              <a:rPr lang="de-DE" dirty="0" smtClean="0"/>
+              <a:t>Mögliche </a:t>
+            </a:r>
+            <a:r>
+              <a:rPr lang="de-DE" dirty="0"/>
+              <a:t>zusätzliche Funktionen:</a:t>
+            </a:r>
+            <a:endParaRPr lang="de-DE" sz="2000" dirty="0"/>
+          </a:p>
+          <a:p>
+            <a:pPr lvl="2"/>
+            <a:r>
+              <a:rPr lang="de-DE" dirty="0" smtClean="0"/>
+              <a:t>elektronischen </a:t>
+            </a:r>
+            <a:r>
+              <a:rPr lang="de-DE" dirty="0"/>
+              <a:t>Übermittlung </a:t>
+            </a:r>
+            <a:r>
+              <a:rPr lang="de-DE" dirty="0" smtClean="0"/>
+              <a:t>der </a:t>
+            </a:r>
+            <a:r>
+              <a:rPr lang="de-DE" dirty="0"/>
+              <a:t>Therapie bei </a:t>
+            </a:r>
+            <a:r>
+              <a:rPr lang="de-DE" dirty="0" smtClean="0"/>
+              <a:t>Verlegung</a:t>
+            </a:r>
+            <a:endParaRPr lang="de-DE" sz="2000" dirty="0" smtClean="0"/>
+          </a:p>
+          <a:p>
+            <a:pPr lvl="2"/>
+            <a:r>
+              <a:rPr lang="de-DE" dirty="0" smtClean="0"/>
+              <a:t>Leistungserfassung</a:t>
+            </a:r>
+            <a:endParaRPr lang="de-DE" sz="2000" dirty="0" smtClean="0"/>
+          </a:p>
+          <a:p>
+            <a:pPr lvl="2"/>
+            <a:r>
+              <a:rPr lang="de-DE" dirty="0" smtClean="0"/>
+              <a:t>Automatische </a:t>
+            </a:r>
+            <a:r>
+              <a:rPr lang="de-DE" dirty="0"/>
+              <a:t>physiologische Berechnung</a:t>
+            </a:r>
+            <a:endParaRPr lang="de-DE" sz="2000" dirty="0"/>
+          </a:p>
+          <a:p>
+            <a:pPr lvl="2"/>
+            <a:r>
+              <a:rPr lang="de-DE" dirty="0"/>
+              <a:t>Intensivmedizinische Verordnungsplanung</a:t>
+            </a:r>
+            <a:endParaRPr lang="de-DE" sz="2000" dirty="0"/>
+          </a:p>
+          <a:p>
+            <a:pPr lvl="2"/>
+            <a:r>
+              <a:rPr lang="de-DE" dirty="0"/>
+              <a:t>Intensivmedizinische Arztbriefschreibung</a:t>
+            </a:r>
+            <a:endParaRPr lang="de-DE" sz="2000" dirty="0"/>
+          </a:p>
+          <a:p>
+            <a:endParaRPr lang="de-DE" dirty="0"/>
+          </a:p>
+        </p:txBody>
+      </p:sp>
+      <p:sp>
+        <p:nvSpPr>
+          <p:cNvPr id="4" name="Fußzeilenplatzhalter 3"/>
+          <p:cNvSpPr>
+            <a:spLocks noGrp="1"/>
+          </p:cNvSpPr>
+          <p:nvPr>
+            <p:ph type="ftr" sz="quarter" idx="11"/>
+          </p:nvPr>
+        </p:nvSpPr>
+        <p:spPr/>
+        <p:txBody>
+          <a:bodyPr/>
+          <a:lstStyle/>
+          <a:p>
+            <a:r>
+              <a:rPr lang="en-US" smtClean="0"/>
+              <a:t>| Dominik Meixner | Dominique Cheray |</a:t>
+            </a:r>
+            <a:endParaRPr lang="en-US" dirty="0"/>
+          </a:p>
+        </p:txBody>
+      </p:sp>
+    </p:spTree>
+    <p:extLst>
+      <p:ext uri="{BB962C8B-B14F-4D97-AF65-F5344CB8AC3E}">
+        <p14:creationId xmlns:p14="http://schemas.microsoft.com/office/powerpoint/2010/main" val="216958709"/>
+      </p:ext>
+    </p:extLst>
+  </p:cSld>
+  <p:clrMapOvr>
+    <a:masterClrMapping/>
+  </p:clrMapOvr>
+</p:sld>
+</file>
+
+<file path=ppt/slides/slide5.xml><?xml version="1.0" encoding="utf-8"?>
+<p:sld xmlns:a="http://schemas.openxmlformats.org/drawingml/2006/main" xmlns:r="http://schemas.openxmlformats.org/officeDocument/2006/relationships" xmlns:p="http://schemas.openxmlformats.org/presentationml/2006/main">
+  <p:cSld>
+    <p:spTree>
+      <p:nvGrpSpPr>
+        <p:cNvPr id="1" name=""/>
+        <p:cNvGrpSpPr/>
+        <p:nvPr/>
+      </p:nvGrpSpPr>
+      <p:grpSpPr>
+        <a:xfrm>
+          <a:off x="0" y="0"/>
+          <a:ext cx="0" cy="0"/>
+          <a:chOff x="0" y="0"/>
+          <a:chExt cx="0" cy="0"/>
+        </a:xfrm>
+      </p:grpSpPr>
+      <p:sp>
+        <p:nvSpPr>
+          <p:cNvPr id="2" name="Titel 1"/>
+          <p:cNvSpPr>
+            <a:spLocks noGrp="1"/>
+          </p:cNvSpPr>
+          <p:nvPr>
+            <p:ph type="title"/>
+          </p:nvPr>
+        </p:nvSpPr>
+        <p:spPr/>
+        <p:txBody>
+          <a:bodyPr>
+            <a:normAutofit/>
+          </a:bodyPr>
+          <a:lstStyle/>
+          <a:p>
+            <a:r>
+              <a:rPr lang="de-DE" dirty="0"/>
+              <a:t>Problematik bei der </a:t>
+            </a:r>
+            <a:r>
+              <a:rPr lang="de-DE" dirty="0" smtClean="0"/>
+              <a:t>Neueinführung</a:t>
+            </a:r>
+            <a:endParaRPr lang="de-DE" dirty="0"/>
+          </a:p>
+        </p:txBody>
+      </p:sp>
+      <p:sp>
+        <p:nvSpPr>
+          <p:cNvPr id="3" name="Inhaltsplatzhalter 2"/>
+          <p:cNvSpPr>
+            <a:spLocks noGrp="1"/>
+          </p:cNvSpPr>
+          <p:nvPr>
+            <p:ph idx="1"/>
+          </p:nvPr>
+        </p:nvSpPr>
+        <p:spPr/>
+        <p:txBody>
+          <a:bodyPr/>
+          <a:lstStyle/>
+          <a:p>
+            <a:pPr lvl="1"/>
+            <a:r>
+              <a:rPr lang="de-DE" dirty="0"/>
+              <a:t>Wesentliche Änderung der Arbeitsabläufe ist zu erwarten</a:t>
+            </a:r>
+            <a:endParaRPr lang="de-DE" sz="2000" dirty="0"/>
+          </a:p>
+          <a:p>
+            <a:pPr lvl="1"/>
+            <a:r>
+              <a:rPr lang="de-DE" dirty="0"/>
+              <a:t>Noch bestehende Unklarheit welche Prozesse durch das System unterstützt werden sollen</a:t>
+            </a:r>
+            <a:endParaRPr lang="de-DE" sz="2000" dirty="0"/>
+          </a:p>
+          <a:p>
+            <a:pPr lvl="1"/>
+            <a:r>
+              <a:rPr lang="de-DE" dirty="0"/>
+              <a:t>Genaue Kenntnis der bisherigen Arbeitsabläufe und der zu dokumentierenden Daten</a:t>
+            </a:r>
+            <a:endParaRPr lang="de-DE" sz="2000" dirty="0"/>
+          </a:p>
+          <a:p>
+            <a:endParaRPr lang="de-DE" dirty="0"/>
+          </a:p>
+        </p:txBody>
+      </p:sp>
+      <p:sp>
+        <p:nvSpPr>
+          <p:cNvPr id="4" name="Fußzeilenplatzhalter 3"/>
+          <p:cNvSpPr>
+            <a:spLocks noGrp="1"/>
+          </p:cNvSpPr>
+          <p:nvPr>
+            <p:ph type="ftr" sz="quarter" idx="11"/>
+          </p:nvPr>
+        </p:nvSpPr>
+        <p:spPr/>
+        <p:txBody>
+          <a:bodyPr/>
+          <a:lstStyle/>
+          <a:p>
+            <a:r>
+              <a:rPr lang="en-US" smtClean="0"/>
+              <a:t>| Dominik Meixner | Dominique Cheray |</a:t>
+            </a:r>
+            <a:endParaRPr lang="en-US" dirty="0"/>
+          </a:p>
+        </p:txBody>
+      </p:sp>
+    </p:spTree>
+    <p:extLst>
+      <p:ext uri="{BB962C8B-B14F-4D97-AF65-F5344CB8AC3E}">
+        <p14:creationId xmlns:p14="http://schemas.microsoft.com/office/powerpoint/2010/main" val="3808629907"/>
+      </p:ext>
+    </p:extLst>
+  </p:cSld>
+  <p:clrMapOvr>
+    <a:masterClrMapping/>
+  </p:clrMapOvr>
+</p:sld>
+</file>
+
+<file path=ppt/slides/slide6.xml><?xml version="1.0" encoding="utf-8"?>
+<p:sld xmlns:a="http://schemas.openxmlformats.org/drawingml/2006/main" xmlns:r="http://schemas.openxmlformats.org/officeDocument/2006/relationships" xmlns:p="http://schemas.openxmlformats.org/presentationml/2006/main">
+  <p:cSld>
+    <p:spTree>
+      <p:nvGrpSpPr>
+        <p:cNvPr id="1" name=""/>
+        <p:cNvGrpSpPr/>
+        <p:nvPr/>
+      </p:nvGrpSpPr>
+      <p:grpSpPr>
+        <a:xfrm>
+          <a:off x="0" y="0"/>
+          <a:ext cx="0" cy="0"/>
+          <a:chOff x="0" y="0"/>
+          <a:chExt cx="0" cy="0"/>
+        </a:xfrm>
+      </p:grpSpPr>
+      <p:sp>
+        <p:nvSpPr>
+          <p:cNvPr id="2" name="Titel 1"/>
+          <p:cNvSpPr>
+            <a:spLocks noGrp="1"/>
+          </p:cNvSpPr>
+          <p:nvPr>
+            <p:ph type="title"/>
+          </p:nvPr>
+        </p:nvSpPr>
+        <p:spPr/>
+        <p:txBody>
+          <a:bodyPr/>
+          <a:lstStyle/>
+          <a:p>
+            <a:r>
+              <a:rPr lang="de-DE" dirty="0" smtClean="0"/>
+              <a:t>Motivation der Einführung</a:t>
+            </a:r>
+            <a:endParaRPr lang="de-DE" dirty="0"/>
+          </a:p>
+        </p:txBody>
+      </p:sp>
+      <p:sp>
+        <p:nvSpPr>
+          <p:cNvPr id="3" name="Inhaltsplatzhalter 2"/>
+          <p:cNvSpPr>
+            <a:spLocks noGrp="1"/>
+          </p:cNvSpPr>
+          <p:nvPr>
+            <p:ph idx="1"/>
+          </p:nvPr>
+        </p:nvSpPr>
+        <p:spPr/>
+        <p:txBody>
+          <a:bodyPr/>
+          <a:lstStyle/>
+          <a:p>
+            <a:pPr lvl="1"/>
+            <a:r>
+              <a:rPr lang="de-DE" dirty="0"/>
+              <a:t>Arbeitsabläufe unterstützen</a:t>
+            </a:r>
+            <a:endParaRPr lang="de-DE" sz="2000" dirty="0"/>
+          </a:p>
+          <a:p>
+            <a:pPr lvl="1"/>
+            <a:r>
+              <a:rPr lang="de-DE" dirty="0"/>
+              <a:t>Dokumentationsaufgaben unterstützen</a:t>
+            </a:r>
+            <a:endParaRPr lang="de-DE" sz="2000" dirty="0"/>
+          </a:p>
+          <a:p>
+            <a:endParaRPr lang="de-DE" dirty="0"/>
+          </a:p>
+        </p:txBody>
+      </p:sp>
+      <p:sp>
+        <p:nvSpPr>
+          <p:cNvPr id="4" name="Fußzeilenplatzhalter 3"/>
+          <p:cNvSpPr>
+            <a:spLocks noGrp="1"/>
+          </p:cNvSpPr>
+          <p:nvPr>
+            <p:ph type="ftr" sz="quarter" idx="11"/>
+          </p:nvPr>
+        </p:nvSpPr>
+        <p:spPr/>
+        <p:txBody>
+          <a:bodyPr/>
+          <a:lstStyle/>
+          <a:p>
+            <a:r>
+              <a:rPr lang="en-US" smtClean="0"/>
+              <a:t>| Dominik Meixner | Dominique Cheray |</a:t>
+            </a:r>
+            <a:endParaRPr lang="en-US" dirty="0"/>
+          </a:p>
+        </p:txBody>
+      </p:sp>
+    </p:spTree>
+    <p:extLst>
+      <p:ext uri="{BB962C8B-B14F-4D97-AF65-F5344CB8AC3E}">
+        <p14:creationId xmlns:p14="http://schemas.microsoft.com/office/powerpoint/2010/main" val="2333528063"/>
+      </p:ext>
+    </p:extLst>
+  </p:cSld>
+  <p:clrMapOvr>
+    <a:masterClrMapping/>
+  </p:clrMapOvr>
+</p:sld>
+</file>
+
+<file path=ppt/slides/slide7.xml><?xml version="1.0" encoding="utf-8"?>
+<p:sld xmlns:a="http://schemas.openxmlformats.org/drawingml/2006/main" xmlns:r="http://schemas.openxmlformats.org/officeDocument/2006/relationships" xmlns:p="http://schemas.openxmlformats.org/presentationml/2006/main">
+  <p:cSld>
+    <p:spTree>
+      <p:nvGrpSpPr>
+        <p:cNvPr id="1" name=""/>
+        <p:cNvGrpSpPr/>
+        <p:nvPr/>
+      </p:nvGrpSpPr>
+      <p:grpSpPr>
+        <a:xfrm>
+          <a:off x="0" y="0"/>
+          <a:ext cx="0" cy="0"/>
+          <a:chOff x="0" y="0"/>
+          <a:chExt cx="0" cy="0"/>
+        </a:xfrm>
+      </p:grpSpPr>
+      <p:sp>
+        <p:nvSpPr>
+          <p:cNvPr id="2" name="Titel 1"/>
+          <p:cNvSpPr>
+            <a:spLocks noGrp="1"/>
+          </p:cNvSpPr>
+          <p:nvPr>
+            <p:ph type="title"/>
+          </p:nvPr>
+        </p:nvSpPr>
+        <p:spPr>
+          <a:xfrm>
+            <a:off x="677333" y="609600"/>
+            <a:ext cx="8738810" cy="1320800"/>
+          </a:xfrm>
+        </p:spPr>
+        <p:txBody>
+          <a:bodyPr>
+            <a:normAutofit fontScale="90000"/>
+          </a:bodyPr>
+          <a:lstStyle/>
+          <a:p>
+            <a:pPr lvl="0"/>
+            <a:r>
+              <a:rPr lang="de-DE" dirty="0"/>
+              <a:t>Folgerungen </a:t>
+            </a:r>
+            <a:r>
+              <a:rPr lang="de-DE" dirty="0" smtClean="0"/>
+              <a:t>aus Problematik und Motivation</a:t>
+            </a:r>
+            <a:r>
+              <a:rPr lang="de-DE" dirty="0"/>
+              <a:t>:</a:t>
+            </a:r>
+            <a:r>
+              <a:rPr lang="de-DE" sz="3600" dirty="0"/>
+              <a:t/>
+            </a:r>
+            <a:br>
+              <a:rPr lang="de-DE" sz="3600" dirty="0"/>
+            </a:br>
+            <a:endParaRPr lang="de-DE" dirty="0"/>
+          </a:p>
+        </p:txBody>
+      </p:sp>
+      <p:sp>
+        <p:nvSpPr>
+          <p:cNvPr id="3" name="Inhaltsplatzhalter 2"/>
+          <p:cNvSpPr>
+            <a:spLocks noGrp="1"/>
+          </p:cNvSpPr>
+          <p:nvPr>
+            <p:ph idx="1"/>
+          </p:nvPr>
+        </p:nvSpPr>
+        <p:spPr/>
+        <p:txBody>
+          <a:bodyPr>
+            <a:normAutofit fontScale="92500"/>
+          </a:bodyPr>
+          <a:lstStyle/>
+          <a:p>
+            <a:pPr lvl="1"/>
+            <a:r>
+              <a:rPr lang="de-DE" dirty="0" smtClean="0"/>
+              <a:t>Systematische </a:t>
+            </a:r>
+            <a:r>
+              <a:rPr lang="de-DE" dirty="0"/>
+              <a:t>Analyse der bestehenden Prozesse und zu Dokumentationsaufgaben vorab ist notwendig</a:t>
+            </a:r>
+            <a:endParaRPr lang="de-DE" sz="2000" dirty="0"/>
+          </a:p>
+          <a:p>
+            <a:pPr lvl="1"/>
+            <a:r>
+              <a:rPr lang="de-DE" dirty="0" smtClean="0"/>
+              <a:t>Genaue </a:t>
+            </a:r>
+            <a:r>
+              <a:rPr lang="de-DE" dirty="0"/>
+              <a:t>Modellierung des Ist-Zustandes vorab</a:t>
+            </a:r>
+            <a:endParaRPr lang="de-DE" sz="2000" dirty="0"/>
+          </a:p>
+          <a:p>
+            <a:pPr lvl="1"/>
+            <a:r>
+              <a:rPr lang="de-DE" dirty="0"/>
+              <a:t>Ist-Zustand bewerten und Möglichkeiten der Optimierung durch das rechnergestützte Intensivdokumentationssystems erarbeiten</a:t>
+            </a:r>
+            <a:endParaRPr lang="de-DE" sz="2000" dirty="0"/>
+          </a:p>
+          <a:p>
+            <a:pPr lvl="1"/>
+            <a:r>
+              <a:rPr lang="de-DE" dirty="0"/>
+              <a:t>Systemspezifikation durch Identifikation der Anforderungen an das System erarbeiten</a:t>
+            </a:r>
+            <a:endParaRPr lang="de-DE" sz="2000" dirty="0"/>
+          </a:p>
+          <a:p>
+            <a:endParaRPr lang="de-DE" dirty="0"/>
+          </a:p>
+        </p:txBody>
+      </p:sp>
+      <p:sp>
+        <p:nvSpPr>
+          <p:cNvPr id="4" name="Fußzeilenplatzhalter 3"/>
+          <p:cNvSpPr>
+            <a:spLocks noGrp="1"/>
+          </p:cNvSpPr>
+          <p:nvPr>
+            <p:ph type="ftr" sz="quarter" idx="11"/>
+          </p:nvPr>
+        </p:nvSpPr>
+        <p:spPr/>
+        <p:txBody>
+          <a:bodyPr/>
+          <a:lstStyle/>
+          <a:p>
+            <a:r>
+              <a:rPr lang="en-US" smtClean="0"/>
+              <a:t>| Dominik Meixner | Dominique Cheray |</a:t>
+            </a:r>
+            <a:endParaRPr lang="en-US" dirty="0"/>
+          </a:p>
+        </p:txBody>
+      </p:sp>
+    </p:spTree>
+    <p:extLst>
+      <p:ext uri="{BB962C8B-B14F-4D97-AF65-F5344CB8AC3E}">
+        <p14:creationId xmlns:p14="http://schemas.microsoft.com/office/powerpoint/2010/main" val="1023999263"/>
+      </p:ext>
+    </p:extLst>
+  </p:cSld>
+  <p:clrMapOvr>
+    <a:masterClrMapping/>
+  </p:clrMapOvr>
+</p:sld>
+</file>
+
+<file path=ppt/slides/slide8.xml><?xml version="1.0" encoding="utf-8"?>
+<p:sld xmlns:a="http://schemas.openxmlformats.org/drawingml/2006/main" xmlns:r="http://schemas.openxmlformats.org/officeDocument/2006/relationships" xmlns:p="http://schemas.openxmlformats.org/presentationml/2006/main">
+  <p:cSld>
+    <p:spTree>
+      <p:nvGrpSpPr>
+        <p:cNvPr id="1" name=""/>
+        <p:cNvGrpSpPr/>
+        <p:nvPr/>
+      </p:nvGrpSpPr>
+      <p:grpSpPr>
+        <a:xfrm>
+          <a:off x="0" y="0"/>
+          <a:ext cx="0" cy="0"/>
+          <a:chOff x="0" y="0"/>
+          <a:chExt cx="0" cy="0"/>
+        </a:xfrm>
+      </p:grpSpPr>
+      <p:sp>
+        <p:nvSpPr>
+          <p:cNvPr id="2" name="Titel 1"/>
+          <p:cNvSpPr>
+            <a:spLocks noGrp="1"/>
+          </p:cNvSpPr>
+          <p:nvPr>
+            <p:ph type="title"/>
+          </p:nvPr>
+        </p:nvSpPr>
+        <p:spPr/>
+        <p:txBody>
+          <a:bodyPr/>
+          <a:lstStyle/>
+          <a:p>
+            <a:r>
+              <a:rPr lang="de-DE" dirty="0" smtClean="0"/>
+              <a:t>Vorgehensplan</a:t>
+            </a:r>
+            <a:endParaRPr lang="de-DE" dirty="0"/>
+          </a:p>
+        </p:txBody>
+      </p:sp>
+      <p:sp>
+        <p:nvSpPr>
+          <p:cNvPr id="4" name="Fußzeilenplatzhalter 3"/>
+          <p:cNvSpPr>
+            <a:spLocks noGrp="1"/>
+          </p:cNvSpPr>
+          <p:nvPr>
+            <p:ph type="ftr" sz="quarter" idx="11"/>
+          </p:nvPr>
+        </p:nvSpPr>
+        <p:spPr/>
+        <p:txBody>
+          <a:bodyPr/>
+          <a:lstStyle/>
+          <a:p>
+            <a:r>
+              <a:rPr lang="en-US" smtClean="0"/>
+              <a:t>| Dominik Meixner | Dominique Cheray |</a:t>
+            </a:r>
+            <a:endParaRPr lang="en-US" dirty="0"/>
+          </a:p>
+        </p:txBody>
+      </p:sp>
+      <p:pic>
+        <p:nvPicPr>
+          <p:cNvPr id="5" name="Grafik 4"/>
+          <p:cNvPicPr>
+            <a:picLocks noChangeAspect="1"/>
+          </p:cNvPicPr>
+          <p:nvPr/>
+        </p:nvPicPr>
+        <p:blipFill>
+          <a:blip r:embed="rId3"/>
+          <a:stretch>
+            <a:fillRect/>
+          </a:stretch>
+        </p:blipFill>
+        <p:spPr>
+          <a:xfrm>
+            <a:off x="503087" y="2636166"/>
+            <a:ext cx="9666369" cy="1881405"/>
+          </a:xfrm>
+          <a:prstGeom prst="rect">
+            <a:avLst/>
+          </a:prstGeom>
+        </p:spPr>
+      </p:pic>
+    </p:spTree>
+    <p:extLst>
+      <p:ext uri="{BB962C8B-B14F-4D97-AF65-F5344CB8AC3E}">
+        <p14:creationId xmlns:p14="http://schemas.microsoft.com/office/powerpoint/2010/main" val="1613335653"/>
+      </p:ext>
+    </p:extLst>
+  </p:cSld>
+  <p:clrMapOvr>
+    <a:masterClrMapping/>
+  </p:clrMapOvr>
+</p:sld>
+</file>
+
+<file path=ppt/slides/slide9.xml><?xml version="1.0" encoding="utf-8"?>
+<p:sld xmlns:a="http://schemas.openxmlformats.org/drawingml/2006/main" xmlns:r="http://schemas.openxmlformats.org/officeDocument/2006/relationships" xmlns:p="http://schemas.openxmlformats.org/presentationml/2006/main">
+  <p:cSld>
+    <p:spTree>
+      <p:nvGrpSpPr>
+        <p:cNvPr id="1" name=""/>
+        <p:cNvGrpSpPr/>
+        <p:nvPr/>
+      </p:nvGrpSpPr>
+      <p:grpSpPr>
+        <a:xfrm>
+          <a:off x="0" y="0"/>
+          <a:ext cx="0" cy="0"/>
+          <a:chOff x="0" y="0"/>
+          <a:chExt cx="0" cy="0"/>
+        </a:xfrm>
+      </p:grpSpPr>
+      <p:sp>
+        <p:nvSpPr>
+          <p:cNvPr id="2" name="Titel 1"/>
+          <p:cNvSpPr>
+            <a:spLocks noGrp="1"/>
+          </p:cNvSpPr>
+          <p:nvPr>
+            <p:ph type="title"/>
+          </p:nvPr>
+        </p:nvSpPr>
+        <p:spPr/>
+        <p:txBody>
+          <a:bodyPr/>
+          <a:lstStyle/>
+          <a:p>
+            <a:r>
+              <a:rPr lang="de-DE" dirty="0" smtClean="0"/>
+              <a:t>Vorgehensplan</a:t>
+            </a:r>
+            <a:endParaRPr lang="de-DE" dirty="0"/>
+          </a:p>
+        </p:txBody>
+      </p:sp>
+      <p:sp>
+        <p:nvSpPr>
+          <p:cNvPr id="4" name="Fußzeilenplatzhalter 3"/>
+          <p:cNvSpPr>
+            <a:spLocks noGrp="1"/>
+          </p:cNvSpPr>
+          <p:nvPr>
+            <p:ph type="ftr" sz="quarter" idx="11"/>
+          </p:nvPr>
+        </p:nvSpPr>
+        <p:spPr/>
+        <p:txBody>
+          <a:bodyPr/>
+          <a:lstStyle/>
+          <a:p>
+            <a:r>
+              <a:rPr lang="en-US" smtClean="0"/>
+              <a:t>| Dominik Meixner | Dominique Cheray |</a:t>
+            </a:r>
+            <a:endParaRPr lang="en-US" dirty="0"/>
+          </a:p>
+        </p:txBody>
+      </p:sp>
+      <p:pic>
+        <p:nvPicPr>
+          <p:cNvPr id="3" name="Grafik 2"/>
+          <p:cNvPicPr>
+            <a:picLocks noChangeAspect="1"/>
+          </p:cNvPicPr>
+          <p:nvPr/>
+        </p:nvPicPr>
+        <p:blipFill>
+          <a:blip r:embed="rId3"/>
+          <a:stretch>
+            <a:fillRect/>
+          </a:stretch>
+        </p:blipFill>
+        <p:spPr>
+          <a:xfrm>
+            <a:off x="365036" y="2065886"/>
+            <a:ext cx="9715135" cy="3224571"/>
+          </a:xfrm>
+          <a:prstGeom prst="rect">
+            <a:avLst/>
+          </a:prstGeom>
+        </p:spPr>
+      </p:pic>
+    </p:spTree>
+    <p:extLst>
+      <p:ext uri="{BB962C8B-B14F-4D97-AF65-F5344CB8AC3E}">
+        <p14:creationId xmlns:p14="http://schemas.microsoft.com/office/powerpoint/2010/main" val="3004626234"/>
       </p:ext>
     </p:extLst>
   </p:cSld>
